--- a/szakmai_angol/The smartwatch situation in today’s world.pptx
+++ b/szakmai_angol/The smartwatch situation in today’s world.pptx
@@ -6,7 +6,16 @@
   </p:sldMasterIdLst>
   <p:sldIdLst>
     <p:sldId id="256" r:id="rId2"/>
-    <p:sldId id="257" r:id="rId3"/>
+    <p:sldId id="258" r:id="rId3"/>
+    <p:sldId id="257" r:id="rId4"/>
+    <p:sldId id="259" r:id="rId5"/>
+    <p:sldId id="260" r:id="rId6"/>
+    <p:sldId id="261" r:id="rId7"/>
+    <p:sldId id="262" r:id="rId8"/>
+    <p:sldId id="263" r:id="rId9"/>
+    <p:sldId id="264" r:id="rId10"/>
+    <p:sldId id="265" r:id="rId11"/>
+    <p:sldId id="266" r:id="rId12"/>
   </p:sldIdLst>
   <p:sldSz cx="12192000" cy="6858000"/>
   <p:notesSz cx="6858000" cy="9144000"/>
@@ -105,6 +114,11 @@
       </a:defRPr>
     </a:lvl9pPr>
   </p:defaultTextStyle>
+  <p:extLst>
+    <p:ext uri="{EFAFB233-063F-42B5-8137-9DF3F51BA10A}">
+      <p15:sldGuideLst xmlns:p15="http://schemas.microsoft.com/office/powerpoint/2012/main"/>
+    </p:ext>
+  </p:extLst>
 </p:presentation>
 </file>
 
@@ -158,7 +172,7 @@
           <a:noFill/>
           <a:extLst>
             <a:ext uri="{909E8E84-426E-40dd-AFC4-6F175D3DCCD1}">
-              <a14:hiddenFill xmlns:a14="http://schemas.microsoft.com/office/drawing/2010/main" xmlns="">
+              <a14:hiddenFill xmlns="" xmlns:a14="http://schemas.microsoft.com/office/drawing/2010/main">
                 <a:solidFill>
                   <a:srgbClr val="FFFFFF"/>
                 </a:solidFill>
@@ -218,7 +232,7 @@
             </a:ln>
             <a:extLst>
               <a:ext uri="{91240B29-F687-4f45-9708-019B960494DF}">
-                <a14:hiddenLine xmlns:a14="http://schemas.microsoft.com/office/drawing/2010/main" xmlns="" w="9525">
+                <a14:hiddenLine xmlns="" xmlns:a14="http://schemas.microsoft.com/office/drawing/2010/main" w="9525">
                   <a:solidFill>
                     <a:srgbClr val="000000"/>
                   </a:solidFill>
@@ -308,7 +322,7 @@
             </a:ln>
             <a:extLst>
               <a:ext uri="{91240B29-F687-4f45-9708-019B960494DF}">
-                <a14:hiddenLine xmlns:a14="http://schemas.microsoft.com/office/drawing/2010/main" xmlns="" w="9525">
+                <a14:hiddenLine xmlns="" xmlns:a14="http://schemas.microsoft.com/office/drawing/2010/main" w="9525">
                   <a:solidFill>
                     <a:srgbClr val="000000"/>
                   </a:solidFill>
@@ -398,7 +412,7 @@
             </a:ln>
             <a:extLst>
               <a:ext uri="{91240B29-F687-4f45-9708-019B960494DF}">
-                <a14:hiddenLine xmlns:a14="http://schemas.microsoft.com/office/drawing/2010/main" xmlns="" w="9525">
+                <a14:hiddenLine xmlns="" xmlns:a14="http://schemas.microsoft.com/office/drawing/2010/main" w="9525">
                   <a:solidFill>
                     <a:srgbClr val="000000"/>
                   </a:solidFill>
@@ -432,7 +446,7 @@
             </a:ln>
             <a:extLst>
               <a:ext uri="{91240B29-F687-4f45-9708-019B960494DF}">
-                <a14:hiddenLine xmlns:a14="http://schemas.microsoft.com/office/drawing/2010/main" xmlns="" w="9525">
+                <a14:hiddenLine xmlns="" xmlns:a14="http://schemas.microsoft.com/office/drawing/2010/main" w="9525">
                   <a:solidFill>
                     <a:srgbClr val="000000"/>
                   </a:solidFill>
@@ -522,7 +536,7 @@
             </a:ln>
             <a:extLst>
               <a:ext uri="{91240B29-F687-4f45-9708-019B960494DF}">
-                <a14:hiddenLine xmlns:a14="http://schemas.microsoft.com/office/drawing/2010/main" xmlns="" w="9525">
+                <a14:hiddenLine xmlns="" xmlns:a14="http://schemas.microsoft.com/office/drawing/2010/main" w="9525">
                   <a:solidFill>
                     <a:srgbClr val="000000"/>
                   </a:solidFill>
@@ -584,7 +598,7 @@
             </a:ln>
             <a:extLst>
               <a:ext uri="{91240B29-F687-4f45-9708-019B960494DF}">
-                <a14:hiddenLine xmlns:a14="http://schemas.microsoft.com/office/drawing/2010/main" xmlns="" w="9525">
+                <a14:hiddenLine xmlns="" xmlns:a14="http://schemas.microsoft.com/office/drawing/2010/main" w="9525">
                   <a:solidFill>
                     <a:srgbClr val="000000"/>
                   </a:solidFill>
@@ -646,7 +660,7 @@
             </a:ln>
             <a:extLst>
               <a:ext uri="{91240B29-F687-4f45-9708-019B960494DF}">
-                <a14:hiddenLine xmlns:a14="http://schemas.microsoft.com/office/drawing/2010/main" xmlns="" w="9525">
+                <a14:hiddenLine xmlns="" xmlns:a14="http://schemas.microsoft.com/office/drawing/2010/main" w="9525">
                   <a:solidFill>
                     <a:srgbClr val="000000"/>
                   </a:solidFill>
@@ -736,7 +750,7 @@
             </a:ln>
             <a:extLst>
               <a:ext uri="{91240B29-F687-4f45-9708-019B960494DF}">
-                <a14:hiddenLine xmlns:a14="http://schemas.microsoft.com/office/drawing/2010/main" xmlns="" w="9525">
+                <a14:hiddenLine xmlns="" xmlns:a14="http://schemas.microsoft.com/office/drawing/2010/main" w="9525">
                   <a:solidFill>
                     <a:srgbClr val="000000"/>
                   </a:solidFill>
@@ -798,7 +812,7 @@
             </a:ln>
             <a:extLst>
               <a:ext uri="{91240B29-F687-4f45-9708-019B960494DF}">
-                <a14:hiddenLine xmlns:a14="http://schemas.microsoft.com/office/drawing/2010/main" xmlns="" w="9525">
+                <a14:hiddenLine xmlns="" xmlns:a14="http://schemas.microsoft.com/office/drawing/2010/main" w="9525">
                   <a:solidFill>
                     <a:srgbClr val="000000"/>
                   </a:solidFill>
@@ -860,7 +874,7 @@
             </a:ln>
             <a:extLst>
               <a:ext uri="{91240B29-F687-4f45-9708-019B960494DF}">
-                <a14:hiddenLine xmlns:a14="http://schemas.microsoft.com/office/drawing/2010/main" xmlns="" w="9525">
+                <a14:hiddenLine xmlns="" xmlns:a14="http://schemas.microsoft.com/office/drawing/2010/main" w="9525">
                   <a:solidFill>
                     <a:srgbClr val="000000"/>
                   </a:solidFill>
@@ -950,7 +964,7 @@
             </a:ln>
             <a:extLst>
               <a:ext uri="{91240B29-F687-4f45-9708-019B960494DF}">
-                <a14:hiddenLine xmlns:a14="http://schemas.microsoft.com/office/drawing/2010/main" xmlns="" w="9525">
+                <a14:hiddenLine xmlns="" xmlns:a14="http://schemas.microsoft.com/office/drawing/2010/main" w="9525">
                   <a:solidFill>
                     <a:srgbClr val="000000"/>
                   </a:solidFill>
@@ -1040,7 +1054,7 @@
             </a:ln>
             <a:extLst>
               <a:ext uri="{91240B29-F687-4f45-9708-019B960494DF}">
-                <a14:hiddenLine xmlns:a14="http://schemas.microsoft.com/office/drawing/2010/main" xmlns="" w="9525">
+                <a14:hiddenLine xmlns="" xmlns:a14="http://schemas.microsoft.com/office/drawing/2010/main" w="9525">
                   <a:solidFill>
                     <a:srgbClr val="000000"/>
                   </a:solidFill>
@@ -1102,7 +1116,7 @@
             </a:ln>
             <a:extLst>
               <a:ext uri="{91240B29-F687-4f45-9708-019B960494DF}">
-                <a14:hiddenLine xmlns:a14="http://schemas.microsoft.com/office/drawing/2010/main" xmlns="" w="9525">
+                <a14:hiddenLine xmlns="" xmlns:a14="http://schemas.microsoft.com/office/drawing/2010/main" w="9525">
                   <a:solidFill>
                     <a:srgbClr val="000000"/>
                   </a:solidFill>
@@ -1212,7 +1226,7 @@
             </a:ln>
             <a:extLst>
               <a:ext uri="{91240B29-F687-4f45-9708-019B960494DF}">
-                <a14:hiddenLine xmlns:a14="http://schemas.microsoft.com/office/drawing/2010/main" xmlns="" w="9525">
+                <a14:hiddenLine xmlns="" xmlns:a14="http://schemas.microsoft.com/office/drawing/2010/main" w="9525">
                   <a:solidFill>
                     <a:srgbClr val="000000"/>
                   </a:solidFill>
@@ -1274,7 +1288,7 @@
             </a:ln>
             <a:extLst>
               <a:ext uri="{91240B29-F687-4f45-9708-019B960494DF}">
-                <a14:hiddenLine xmlns:a14="http://schemas.microsoft.com/office/drawing/2010/main" xmlns="" w="9525">
+                <a14:hiddenLine xmlns="" xmlns:a14="http://schemas.microsoft.com/office/drawing/2010/main" w="9525">
                   <a:solidFill>
                     <a:srgbClr val="000000"/>
                   </a:solidFill>
@@ -1364,7 +1378,7 @@
             </a:ln>
             <a:extLst>
               <a:ext uri="{91240B29-F687-4f45-9708-019B960494DF}">
-                <a14:hiddenLine xmlns:a14="http://schemas.microsoft.com/office/drawing/2010/main" xmlns="" w="9525">
+                <a14:hiddenLine xmlns="" xmlns:a14="http://schemas.microsoft.com/office/drawing/2010/main" w="9525">
                   <a:solidFill>
                     <a:srgbClr val="000000"/>
                   </a:solidFill>
@@ -1454,7 +1468,7 @@
             </a:ln>
             <a:extLst>
               <a:ext uri="{91240B29-F687-4f45-9708-019B960494DF}">
-                <a14:hiddenLine xmlns:a14="http://schemas.microsoft.com/office/drawing/2010/main" xmlns="" w="9525">
+                <a14:hiddenLine xmlns="" xmlns:a14="http://schemas.microsoft.com/office/drawing/2010/main" w="9525">
                   <a:solidFill>
                     <a:srgbClr val="000000"/>
                   </a:solidFill>
@@ -1516,7 +1530,7 @@
             </a:ln>
             <a:extLst>
               <a:ext uri="{91240B29-F687-4f45-9708-019B960494DF}">
-                <a14:hiddenLine xmlns:a14="http://schemas.microsoft.com/office/drawing/2010/main" xmlns="" w="9525">
+                <a14:hiddenLine xmlns="" xmlns:a14="http://schemas.microsoft.com/office/drawing/2010/main" w="9525">
                   <a:solidFill>
                     <a:srgbClr val="000000"/>
                   </a:solidFill>
@@ -1606,7 +1620,7 @@
             </a:ln>
             <a:extLst>
               <a:ext uri="{91240B29-F687-4f45-9708-019B960494DF}">
-                <a14:hiddenLine xmlns:a14="http://schemas.microsoft.com/office/drawing/2010/main" xmlns="" w="9525">
+                <a14:hiddenLine xmlns="" xmlns:a14="http://schemas.microsoft.com/office/drawing/2010/main" w="9525">
                   <a:solidFill>
                     <a:srgbClr val="000000"/>
                   </a:solidFill>
@@ -1696,7 +1710,7 @@
             </a:ln>
             <a:extLst>
               <a:ext uri="{91240B29-F687-4f45-9708-019B960494DF}">
-                <a14:hiddenLine xmlns:a14="http://schemas.microsoft.com/office/drawing/2010/main" xmlns="" w="9525">
+                <a14:hiddenLine xmlns="" xmlns:a14="http://schemas.microsoft.com/office/drawing/2010/main" w="9525">
                   <a:solidFill>
                     <a:srgbClr val="000000"/>
                   </a:solidFill>
@@ -1752,7 +1766,7 @@
             </a:ln>
             <a:extLst>
               <a:ext uri="{91240B29-F687-4f45-9708-019B960494DF}">
-                <a14:hiddenLine xmlns:a14="http://schemas.microsoft.com/office/drawing/2010/main" xmlns="" w="9525">
+                <a14:hiddenLine xmlns="" xmlns:a14="http://schemas.microsoft.com/office/drawing/2010/main" w="9525">
                   <a:solidFill>
                     <a:srgbClr val="000000"/>
                   </a:solidFill>
@@ -1842,7 +1856,7 @@
             </a:ln>
             <a:extLst>
               <a:ext uri="{91240B29-F687-4f45-9708-019B960494DF}">
-                <a14:hiddenLine xmlns:a14="http://schemas.microsoft.com/office/drawing/2010/main" xmlns="" w="9525">
+                <a14:hiddenLine xmlns="" xmlns:a14="http://schemas.microsoft.com/office/drawing/2010/main" w="9525">
                   <a:solidFill>
                     <a:srgbClr val="000000"/>
                   </a:solidFill>
@@ -1898,7 +1912,7 @@
             </a:ln>
             <a:extLst>
               <a:ext uri="{91240B29-F687-4f45-9708-019B960494DF}">
-                <a14:hiddenLine xmlns:a14="http://schemas.microsoft.com/office/drawing/2010/main" xmlns="" w="9525">
+                <a14:hiddenLine xmlns="" xmlns:a14="http://schemas.microsoft.com/office/drawing/2010/main" w="9525">
                   <a:solidFill>
                     <a:srgbClr val="000000"/>
                   </a:solidFill>
@@ -1988,7 +2002,7 @@
             </a:ln>
             <a:extLst>
               <a:ext uri="{91240B29-F687-4f45-9708-019B960494DF}">
-                <a14:hiddenLine xmlns:a14="http://schemas.microsoft.com/office/drawing/2010/main" xmlns="" w="9525">
+                <a14:hiddenLine xmlns="" xmlns:a14="http://schemas.microsoft.com/office/drawing/2010/main" w="9525">
                   <a:solidFill>
                     <a:srgbClr val="000000"/>
                   </a:solidFill>
@@ -2056,7 +2070,7 @@
             </a:ln>
             <a:extLst>
               <a:ext uri="{91240B29-F687-4f45-9708-019B960494DF}">
-                <a14:hiddenLine xmlns:a14="http://schemas.microsoft.com/office/drawing/2010/main" xmlns="" w="9525">
+                <a14:hiddenLine xmlns="" xmlns:a14="http://schemas.microsoft.com/office/drawing/2010/main" w="9525">
                   <a:solidFill>
                     <a:srgbClr val="000000"/>
                   </a:solidFill>
@@ -2146,7 +2160,7 @@
             </a:ln>
             <a:extLst>
               <a:ext uri="{91240B29-F687-4f45-9708-019B960494DF}">
-                <a14:hiddenLine xmlns:a14="http://schemas.microsoft.com/office/drawing/2010/main" xmlns="" w="9525">
+                <a14:hiddenLine xmlns="" xmlns:a14="http://schemas.microsoft.com/office/drawing/2010/main" w="9525">
                   <a:solidFill>
                     <a:srgbClr val="000000"/>
                   </a:solidFill>
@@ -2214,7 +2228,7 @@
             </a:ln>
             <a:extLst>
               <a:ext uri="{91240B29-F687-4f45-9708-019B960494DF}">
-                <a14:hiddenLine xmlns:a14="http://schemas.microsoft.com/office/drawing/2010/main" xmlns="" w="9525">
+                <a14:hiddenLine xmlns="" xmlns:a14="http://schemas.microsoft.com/office/drawing/2010/main" w="9525">
                   <a:solidFill>
                     <a:srgbClr val="000000"/>
                   </a:solidFill>
@@ -2304,7 +2318,7 @@
             </a:ln>
             <a:extLst>
               <a:ext uri="{91240B29-F687-4f45-9708-019B960494DF}">
-                <a14:hiddenLine xmlns:a14="http://schemas.microsoft.com/office/drawing/2010/main" xmlns="" w="9525">
+                <a14:hiddenLine xmlns="" xmlns:a14="http://schemas.microsoft.com/office/drawing/2010/main" w="9525">
                   <a:solidFill>
                     <a:srgbClr val="000000"/>
                   </a:solidFill>
@@ -2338,7 +2352,7 @@
             </a:ln>
             <a:extLst>
               <a:ext uri="{91240B29-F687-4f45-9708-019B960494DF}">
-                <a14:hiddenLine xmlns:a14="http://schemas.microsoft.com/office/drawing/2010/main" xmlns="" w="9525">
+                <a14:hiddenLine xmlns="" xmlns:a14="http://schemas.microsoft.com/office/drawing/2010/main" w="9525">
                   <a:solidFill>
                     <a:srgbClr val="000000"/>
                   </a:solidFill>
@@ -2428,7 +2442,7 @@
             </a:ln>
             <a:extLst>
               <a:ext uri="{91240B29-F687-4f45-9708-019B960494DF}">
-                <a14:hiddenLine xmlns:a14="http://schemas.microsoft.com/office/drawing/2010/main" xmlns="" w="9525">
+                <a14:hiddenLine xmlns="" xmlns:a14="http://schemas.microsoft.com/office/drawing/2010/main" w="9525">
                   <a:solidFill>
                     <a:srgbClr val="000000"/>
                   </a:solidFill>
@@ -2490,7 +2504,7 @@
             </a:ln>
             <a:extLst>
               <a:ext uri="{91240B29-F687-4f45-9708-019B960494DF}">
-                <a14:hiddenLine xmlns:a14="http://schemas.microsoft.com/office/drawing/2010/main" xmlns="" w="9525">
+                <a14:hiddenLine xmlns="" xmlns:a14="http://schemas.microsoft.com/office/drawing/2010/main" w="9525">
                   <a:solidFill>
                     <a:srgbClr val="000000"/>
                   </a:solidFill>
@@ -2552,7 +2566,7 @@
             </a:ln>
             <a:extLst>
               <a:ext uri="{91240B29-F687-4f45-9708-019B960494DF}">
-                <a14:hiddenLine xmlns:a14="http://schemas.microsoft.com/office/drawing/2010/main" xmlns="" w="9525">
+                <a14:hiddenLine xmlns="" xmlns:a14="http://schemas.microsoft.com/office/drawing/2010/main" w="9525">
                   <a:solidFill>
                     <a:srgbClr val="000000"/>
                   </a:solidFill>
@@ -2642,7 +2656,7 @@
             </a:ln>
             <a:extLst>
               <a:ext uri="{91240B29-F687-4f45-9708-019B960494DF}">
-                <a14:hiddenLine xmlns:a14="http://schemas.microsoft.com/office/drawing/2010/main" xmlns="" w="9525">
+                <a14:hiddenLine xmlns="" xmlns:a14="http://schemas.microsoft.com/office/drawing/2010/main" w="9525">
                   <a:solidFill>
                     <a:srgbClr val="000000"/>
                   </a:solidFill>
@@ -2710,7 +2724,7 @@
             </a:ln>
             <a:extLst>
               <a:ext uri="{91240B29-F687-4f45-9708-019B960494DF}">
-                <a14:hiddenLine xmlns:a14="http://schemas.microsoft.com/office/drawing/2010/main" xmlns="" w="9525">
+                <a14:hiddenLine xmlns="" xmlns:a14="http://schemas.microsoft.com/office/drawing/2010/main" w="9525">
                   <a:solidFill>
                     <a:srgbClr val="000000"/>
                   </a:solidFill>
@@ -2772,7 +2786,7 @@
             </a:ln>
             <a:extLst>
               <a:ext uri="{91240B29-F687-4f45-9708-019B960494DF}">
-                <a14:hiddenLine xmlns:a14="http://schemas.microsoft.com/office/drawing/2010/main" xmlns="" w="9525">
+                <a14:hiddenLine xmlns="" xmlns:a14="http://schemas.microsoft.com/office/drawing/2010/main" w="9525">
                   <a:solidFill>
                     <a:srgbClr val="000000"/>
                   </a:solidFill>
@@ -2862,7 +2876,7 @@
             </a:ln>
             <a:extLst>
               <a:ext uri="{91240B29-F687-4f45-9708-019B960494DF}">
-                <a14:hiddenLine xmlns:a14="http://schemas.microsoft.com/office/drawing/2010/main" xmlns="" w="9525">
+                <a14:hiddenLine xmlns="" xmlns:a14="http://schemas.microsoft.com/office/drawing/2010/main" w="9525">
                   <a:solidFill>
                     <a:srgbClr val="000000"/>
                   </a:solidFill>
@@ -2924,7 +2938,7 @@
             </a:ln>
             <a:extLst>
               <a:ext uri="{91240B29-F687-4f45-9708-019B960494DF}">
-                <a14:hiddenLine xmlns:a14="http://schemas.microsoft.com/office/drawing/2010/main" xmlns="" w="9525">
+                <a14:hiddenLine xmlns="" xmlns:a14="http://schemas.microsoft.com/office/drawing/2010/main" w="9525">
                   <a:solidFill>
                     <a:srgbClr val="000000"/>
                   </a:solidFill>
@@ -3014,7 +3028,7 @@
             </a:ln>
             <a:extLst>
               <a:ext uri="{91240B29-F687-4f45-9708-019B960494DF}">
-                <a14:hiddenLine xmlns:a14="http://schemas.microsoft.com/office/drawing/2010/main" xmlns="" w="9525">
+                <a14:hiddenLine xmlns="" xmlns:a14="http://schemas.microsoft.com/office/drawing/2010/main" w="9525">
                   <a:solidFill>
                     <a:srgbClr val="000000"/>
                   </a:solidFill>
@@ -3076,7 +3090,7 @@
             </a:ln>
             <a:extLst>
               <a:ext uri="{91240B29-F687-4f45-9708-019B960494DF}">
-                <a14:hiddenLine xmlns:a14="http://schemas.microsoft.com/office/drawing/2010/main" xmlns="" w="9525">
+                <a14:hiddenLine xmlns="" xmlns:a14="http://schemas.microsoft.com/office/drawing/2010/main" w="9525">
                   <a:solidFill>
                     <a:srgbClr val="000000"/>
                   </a:solidFill>
@@ -3166,7 +3180,7 @@
             </a:ln>
             <a:extLst>
               <a:ext uri="{91240B29-F687-4f45-9708-019B960494DF}">
-                <a14:hiddenLine xmlns:a14="http://schemas.microsoft.com/office/drawing/2010/main" xmlns="" w="9525">
+                <a14:hiddenLine xmlns="" xmlns:a14="http://schemas.microsoft.com/office/drawing/2010/main" w="9525">
                   <a:solidFill>
                     <a:srgbClr val="000000"/>
                   </a:solidFill>
@@ -3200,7 +3214,7 @@
             </a:ln>
             <a:extLst>
               <a:ext uri="{91240B29-F687-4f45-9708-019B960494DF}">
-                <a14:hiddenLine xmlns:a14="http://schemas.microsoft.com/office/drawing/2010/main" xmlns="" w="9525">
+                <a14:hiddenLine xmlns="" xmlns:a14="http://schemas.microsoft.com/office/drawing/2010/main" w="9525">
                   <a:solidFill>
                     <a:srgbClr val="000000"/>
                   </a:solidFill>
@@ -3265,7 +3279,7 @@
             </a:ln>
             <a:extLst>
               <a:ext uri="{91240B29-F687-4f45-9708-019B960494DF}">
-                <a14:hiddenLine xmlns:a14="http://schemas.microsoft.com/office/drawing/2010/main" xmlns="" w="9525">
+                <a14:hiddenLine xmlns="" xmlns:a14="http://schemas.microsoft.com/office/drawing/2010/main" w="9525">
                   <a:solidFill>
                     <a:srgbClr val="000000"/>
                   </a:solidFill>
@@ -3355,7 +3369,7 @@
             </a:ln>
             <a:extLst>
               <a:ext uri="{91240B29-F687-4f45-9708-019B960494DF}">
-                <a14:hiddenLine xmlns:a14="http://schemas.microsoft.com/office/drawing/2010/main" xmlns="" w="9525">
+                <a14:hiddenLine xmlns="" xmlns:a14="http://schemas.microsoft.com/office/drawing/2010/main" w="9525">
                   <a:solidFill>
                     <a:srgbClr val="000000"/>
                   </a:solidFill>
@@ -3417,7 +3431,7 @@
             </a:ln>
             <a:extLst>
               <a:ext uri="{91240B29-F687-4f45-9708-019B960494DF}">
-                <a14:hiddenLine xmlns:a14="http://schemas.microsoft.com/office/drawing/2010/main" xmlns="" w="9525">
+                <a14:hiddenLine xmlns="" xmlns:a14="http://schemas.microsoft.com/office/drawing/2010/main" w="9525">
                   <a:solidFill>
                     <a:srgbClr val="000000"/>
                   </a:solidFill>
@@ -3507,7 +3521,7 @@
             </a:ln>
             <a:extLst>
               <a:ext uri="{91240B29-F687-4f45-9708-019B960494DF}">
-                <a14:hiddenLine xmlns:a14="http://schemas.microsoft.com/office/drawing/2010/main" xmlns="" w="9525">
+                <a14:hiddenLine xmlns="" xmlns:a14="http://schemas.microsoft.com/office/drawing/2010/main" w="9525">
                   <a:solidFill>
                     <a:srgbClr val="000000"/>
                   </a:solidFill>
@@ -3597,7 +3611,7 @@
             </a:ln>
             <a:extLst>
               <a:ext uri="{91240B29-F687-4f45-9708-019B960494DF}">
-                <a14:hiddenLine xmlns:a14="http://schemas.microsoft.com/office/drawing/2010/main" xmlns="" w="9525">
+                <a14:hiddenLine xmlns="" xmlns:a14="http://schemas.microsoft.com/office/drawing/2010/main" w="9525">
                   <a:solidFill>
                     <a:srgbClr val="000000"/>
                   </a:solidFill>
@@ -3662,7 +3676,7 @@
             </a:ln>
             <a:extLst>
               <a:ext uri="{91240B29-F687-4f45-9708-019B960494DF}">
-                <a14:hiddenLine xmlns:a14="http://schemas.microsoft.com/office/drawing/2010/main" xmlns="" w="9525">
+                <a14:hiddenLine xmlns="" xmlns:a14="http://schemas.microsoft.com/office/drawing/2010/main" w="9525">
                   <a:solidFill>
                     <a:srgbClr val="000000"/>
                   </a:solidFill>
@@ -3724,7 +3738,7 @@
             </a:ln>
             <a:extLst>
               <a:ext uri="{91240B29-F687-4f45-9708-019B960494DF}">
-                <a14:hiddenLine xmlns:a14="http://schemas.microsoft.com/office/drawing/2010/main" xmlns="" w="9525">
+                <a14:hiddenLine xmlns="" xmlns:a14="http://schemas.microsoft.com/office/drawing/2010/main" w="9525">
                   <a:solidFill>
                     <a:srgbClr val="000000"/>
                   </a:solidFill>
@@ -3814,7 +3828,7 @@
             </a:ln>
             <a:extLst>
               <a:ext uri="{91240B29-F687-4f45-9708-019B960494DF}">
-                <a14:hiddenLine xmlns:a14="http://schemas.microsoft.com/office/drawing/2010/main" xmlns="" w="9525">
+                <a14:hiddenLine xmlns="" xmlns:a14="http://schemas.microsoft.com/office/drawing/2010/main" w="9525">
                   <a:solidFill>
                     <a:srgbClr val="000000"/>
                   </a:solidFill>
@@ -3904,7 +3918,7 @@
             </a:ln>
             <a:extLst>
               <a:ext uri="{91240B29-F687-4f45-9708-019B960494DF}">
-                <a14:hiddenLine xmlns:a14="http://schemas.microsoft.com/office/drawing/2010/main" xmlns="" w="9525">
+                <a14:hiddenLine xmlns="" xmlns:a14="http://schemas.microsoft.com/office/drawing/2010/main" w="9525">
                   <a:solidFill>
                     <a:srgbClr val="000000"/>
                   </a:solidFill>
@@ -3966,7 +3980,7 @@
             </a:ln>
             <a:extLst>
               <a:ext uri="{91240B29-F687-4f45-9708-019B960494DF}">
-                <a14:hiddenLine xmlns:a14="http://schemas.microsoft.com/office/drawing/2010/main" xmlns="" w="9525">
+                <a14:hiddenLine xmlns="" xmlns:a14="http://schemas.microsoft.com/office/drawing/2010/main" w="9525">
                   <a:solidFill>
                     <a:srgbClr val="000000"/>
                   </a:solidFill>
@@ -4086,7 +4100,7 @@
             </a:ln>
             <a:extLst>
               <a:ext uri="{91240B29-F687-4f45-9708-019B960494DF}">
-                <a14:hiddenLine xmlns:a14="http://schemas.microsoft.com/office/drawing/2010/main" xmlns="" w="9525">
+                <a14:hiddenLine xmlns="" xmlns:a14="http://schemas.microsoft.com/office/drawing/2010/main" w="9525">
                   <a:solidFill>
                     <a:srgbClr val="000000"/>
                   </a:solidFill>
@@ -4154,7 +4168,7 @@
             </a:ln>
             <a:extLst>
               <a:ext uri="{91240B29-F687-4f45-9708-019B960494DF}">
-                <a14:hiddenLine xmlns:a14="http://schemas.microsoft.com/office/drawing/2010/main" xmlns="" w="9525">
+                <a14:hiddenLine xmlns="" xmlns:a14="http://schemas.microsoft.com/office/drawing/2010/main" w="9525">
                   <a:solidFill>
                     <a:srgbClr val="000000"/>
                   </a:solidFill>
@@ -4244,7 +4258,7 @@
             </a:ln>
             <a:extLst>
               <a:ext uri="{91240B29-F687-4f45-9708-019B960494DF}">
-                <a14:hiddenLine xmlns:a14="http://schemas.microsoft.com/office/drawing/2010/main" xmlns="" w="9525">
+                <a14:hiddenLine xmlns="" xmlns:a14="http://schemas.microsoft.com/office/drawing/2010/main" w="9525">
                   <a:solidFill>
                     <a:srgbClr val="000000"/>
                   </a:solidFill>
@@ -4452,6 +4466,18 @@
   <p:clrMapOvr>
     <a:masterClrMapping/>
   </p:clrMapOvr>
+  <mc:AlternateContent xmlns:mc="http://schemas.openxmlformats.org/markup-compatibility/2006">
+    <mc:Choice xmlns:p14="http://schemas.microsoft.com/office/powerpoint/2010/main" Requires="p14">
+      <p:transition spd="slow" p14:dur="3400">
+        <p14:reveal/>
+      </p:transition>
+    </mc:Choice>
+    <mc:Fallback>
+      <p:transition spd="slow">
+        <p:fade/>
+      </p:transition>
+    </mc:Fallback>
+  </mc:AlternateContent>
 </p:sldLayout>
 </file>
 
@@ -4709,6 +4735,18 @@
   <p:clrMapOvr>
     <a:masterClrMapping/>
   </p:clrMapOvr>
+  <mc:AlternateContent xmlns:mc="http://schemas.openxmlformats.org/markup-compatibility/2006">
+    <mc:Choice xmlns:p14="http://schemas.microsoft.com/office/powerpoint/2010/main" Requires="p14">
+      <p:transition spd="slow" p14:dur="3400">
+        <p14:reveal/>
+      </p:transition>
+    </mc:Choice>
+    <mc:Fallback>
+      <p:transition spd="slow">
+        <p:fade/>
+      </p:transition>
+    </mc:Fallback>
+  </mc:AlternateContent>
 </p:sldLayout>
 </file>
 
@@ -4905,6 +4943,18 @@
   <p:clrMapOvr>
     <a:masterClrMapping/>
   </p:clrMapOvr>
+  <mc:AlternateContent xmlns:mc="http://schemas.openxmlformats.org/markup-compatibility/2006">
+    <mc:Choice xmlns:p14="http://schemas.microsoft.com/office/powerpoint/2010/main" Requires="p14">
+      <p:transition spd="slow" p14:dur="3400">
+        <p14:reveal/>
+      </p:transition>
+    </mc:Choice>
+    <mc:Fallback>
+      <p:transition spd="slow">
+        <p:fade/>
+      </p:transition>
+    </mc:Fallback>
+  </mc:AlternateContent>
 </p:sldLayout>
 </file>
 
@@ -5406,6 +5456,18 @@
   <p:clrMapOvr>
     <a:masterClrMapping/>
   </p:clrMapOvr>
+  <mc:AlternateContent xmlns:mc="http://schemas.openxmlformats.org/markup-compatibility/2006">
+    <mc:Choice xmlns:p14="http://schemas.microsoft.com/office/powerpoint/2010/main" Requires="p14">
+      <p:transition spd="slow" p14:dur="3400">
+        <p14:reveal/>
+      </p:transition>
+    </mc:Choice>
+    <mc:Fallback>
+      <p:transition spd="slow">
+        <p:fade/>
+      </p:transition>
+    </mc:Fallback>
+  </mc:AlternateContent>
 </p:sldLayout>
 </file>
 
@@ -5602,6 +5664,18 @@
   <p:clrMapOvr>
     <a:masterClrMapping/>
   </p:clrMapOvr>
+  <mc:AlternateContent xmlns:mc="http://schemas.openxmlformats.org/markup-compatibility/2006">
+    <mc:Choice xmlns:p14="http://schemas.microsoft.com/office/powerpoint/2010/main" Requires="p14">
+      <p:transition spd="slow" p14:dur="3400">
+        <p14:reveal/>
+      </p:transition>
+    </mc:Choice>
+    <mc:Fallback>
+      <p:transition spd="slow">
+        <p:fade/>
+      </p:transition>
+    </mc:Fallback>
+  </mc:AlternateContent>
 </p:sldLayout>
 </file>
 
@@ -6148,6 +6222,18 @@
   <p:clrMapOvr>
     <a:masterClrMapping/>
   </p:clrMapOvr>
+  <mc:AlternateContent xmlns:mc="http://schemas.openxmlformats.org/markup-compatibility/2006">
+    <mc:Choice xmlns:p14="http://schemas.microsoft.com/office/powerpoint/2010/main" Requires="p14">
+      <p:transition spd="slow" p14:dur="3400">
+        <p14:reveal/>
+      </p:transition>
+    </mc:Choice>
+    <mc:Fallback>
+      <p:transition spd="slow">
+        <p:fade/>
+      </p:transition>
+    </mc:Fallback>
+  </mc:AlternateContent>
 </p:sldLayout>
 </file>
 
@@ -6868,6 +6954,18 @@
   <p:clrMapOvr>
     <a:masterClrMapping/>
   </p:clrMapOvr>
+  <mc:AlternateContent xmlns:mc="http://schemas.openxmlformats.org/markup-compatibility/2006">
+    <mc:Choice xmlns:p14="http://schemas.microsoft.com/office/powerpoint/2010/main" Requires="p14">
+      <p:transition spd="slow" p14:dur="3400">
+        <p14:reveal/>
+      </p:transition>
+    </mc:Choice>
+    <mc:Fallback>
+      <p:transition spd="slow">
+        <p:fade/>
+      </p:transition>
+    </mc:Fallback>
+  </mc:AlternateContent>
 </p:sldLayout>
 </file>
 
@@ -7038,6 +7136,18 @@
   <p:clrMapOvr>
     <a:masterClrMapping/>
   </p:clrMapOvr>
+  <mc:AlternateContent xmlns:mc="http://schemas.openxmlformats.org/markup-compatibility/2006">
+    <mc:Choice xmlns:p14="http://schemas.microsoft.com/office/powerpoint/2010/main" Requires="p14">
+      <p:transition spd="slow" p14:dur="3400">
+        <p14:reveal/>
+      </p:transition>
+    </mc:Choice>
+    <mc:Fallback>
+      <p:transition spd="slow">
+        <p:fade/>
+      </p:transition>
+    </mc:Fallback>
+  </mc:AlternateContent>
 </p:sldLayout>
 </file>
 
@@ -7218,6 +7328,18 @@
   <p:clrMapOvr>
     <a:masterClrMapping/>
   </p:clrMapOvr>
+  <mc:AlternateContent xmlns:mc="http://schemas.openxmlformats.org/markup-compatibility/2006">
+    <mc:Choice xmlns:p14="http://schemas.microsoft.com/office/powerpoint/2010/main" Requires="p14">
+      <p:transition spd="slow" p14:dur="3400">
+        <p14:reveal/>
+      </p:transition>
+    </mc:Choice>
+    <mc:Fallback>
+      <p:transition spd="slow">
+        <p:fade/>
+      </p:transition>
+    </mc:Fallback>
+  </mc:AlternateContent>
 </p:sldLayout>
 </file>
 
@@ -7388,6 +7510,18 @@
   <p:clrMapOvr>
     <a:masterClrMapping/>
   </p:clrMapOvr>
+  <mc:AlternateContent xmlns:mc="http://schemas.openxmlformats.org/markup-compatibility/2006">
+    <mc:Choice xmlns:p14="http://schemas.microsoft.com/office/powerpoint/2010/main" Requires="p14">
+      <p:transition spd="slow" p14:dur="3400">
+        <p14:reveal/>
+      </p:transition>
+    </mc:Choice>
+    <mc:Fallback>
+      <p:transition spd="slow">
+        <p:fade/>
+      </p:transition>
+    </mc:Fallback>
+  </mc:AlternateContent>
 </p:sldLayout>
 </file>
 
@@ -7638,6 +7772,18 @@
   <p:clrMapOvr>
     <a:masterClrMapping/>
   </p:clrMapOvr>
+  <mc:AlternateContent xmlns:mc="http://schemas.openxmlformats.org/markup-compatibility/2006">
+    <mc:Choice xmlns:p14="http://schemas.microsoft.com/office/powerpoint/2010/main" Requires="p14">
+      <p:transition spd="slow" p14:dur="3400">
+        <p14:reveal/>
+      </p:transition>
+    </mc:Choice>
+    <mc:Fallback>
+      <p:transition spd="slow">
+        <p:fade/>
+      </p:transition>
+    </mc:Fallback>
+  </mc:AlternateContent>
 </p:sldLayout>
 </file>
 
@@ -7870,6 +8016,18 @@
   <p:clrMapOvr>
     <a:masterClrMapping/>
   </p:clrMapOvr>
+  <mc:AlternateContent xmlns:mc="http://schemas.openxmlformats.org/markup-compatibility/2006">
+    <mc:Choice xmlns:p14="http://schemas.microsoft.com/office/powerpoint/2010/main" Requires="p14">
+      <p:transition spd="slow" p14:dur="3400">
+        <p14:reveal/>
+      </p:transition>
+    </mc:Choice>
+    <mc:Fallback>
+      <p:transition spd="slow">
+        <p:fade/>
+      </p:transition>
+    </mc:Fallback>
+  </mc:AlternateContent>
 </p:sldLayout>
 </file>
 
@@ -8251,6 +8409,18 @@
   <p:clrMapOvr>
     <a:masterClrMapping/>
   </p:clrMapOvr>
+  <mc:AlternateContent xmlns:mc="http://schemas.openxmlformats.org/markup-compatibility/2006">
+    <mc:Choice xmlns:p14="http://schemas.microsoft.com/office/powerpoint/2010/main" Requires="p14">
+      <p:transition spd="slow" p14:dur="3400">
+        <p14:reveal/>
+      </p:transition>
+    </mc:Choice>
+    <mc:Fallback>
+      <p:transition spd="slow">
+        <p:fade/>
+      </p:transition>
+    </mc:Fallback>
+  </mc:AlternateContent>
 </p:sldLayout>
 </file>
 
@@ -8369,6 +8539,18 @@
   <p:clrMapOvr>
     <a:masterClrMapping/>
   </p:clrMapOvr>
+  <mc:AlternateContent xmlns:mc="http://schemas.openxmlformats.org/markup-compatibility/2006">
+    <mc:Choice xmlns:p14="http://schemas.microsoft.com/office/powerpoint/2010/main" Requires="p14">
+      <p:transition spd="slow" p14:dur="3400">
+        <p14:reveal/>
+      </p:transition>
+    </mc:Choice>
+    <mc:Fallback>
+      <p:transition spd="slow">
+        <p:fade/>
+      </p:transition>
+    </mc:Fallback>
+  </mc:AlternateContent>
 </p:sldLayout>
 </file>
 
@@ -8464,6 +8646,18 @@
   <p:clrMapOvr>
     <a:masterClrMapping/>
   </p:clrMapOvr>
+  <mc:AlternateContent xmlns:mc="http://schemas.openxmlformats.org/markup-compatibility/2006">
+    <mc:Choice xmlns:p14="http://schemas.microsoft.com/office/powerpoint/2010/main" Requires="p14">
+      <p:transition spd="slow" p14:dur="3400">
+        <p14:reveal/>
+      </p:transition>
+    </mc:Choice>
+    <mc:Fallback>
+      <p:transition spd="slow">
+        <p:fade/>
+      </p:transition>
+    </mc:Fallback>
+  </mc:AlternateContent>
 </p:sldLayout>
 </file>
 
@@ -8713,6 +8907,18 @@
   <p:clrMapOvr>
     <a:masterClrMapping/>
   </p:clrMapOvr>
+  <mc:AlternateContent xmlns:mc="http://schemas.openxmlformats.org/markup-compatibility/2006">
+    <mc:Choice xmlns:p14="http://schemas.microsoft.com/office/powerpoint/2010/main" Requires="p14">
+      <p:transition spd="slow" p14:dur="3400">
+        <p14:reveal/>
+      </p:transition>
+    </mc:Choice>
+    <mc:Fallback>
+      <p:transition spd="slow">
+        <p:fade/>
+      </p:transition>
+    </mc:Fallback>
+  </mc:AlternateContent>
 </p:sldLayout>
 </file>
 
@@ -8993,6 +9199,18 @@
   <p:clrMapOvr>
     <a:masterClrMapping/>
   </p:clrMapOvr>
+  <mc:AlternateContent xmlns:mc="http://schemas.openxmlformats.org/markup-compatibility/2006">
+    <mc:Choice xmlns:p14="http://schemas.microsoft.com/office/powerpoint/2010/main" Requires="p14">
+      <p:transition spd="slow" p14:dur="3400">
+        <p14:reveal/>
+      </p:transition>
+    </mc:Choice>
+    <mc:Fallback>
+      <p:transition spd="slow">
+        <p:fade/>
+      </p:transition>
+    </mc:Fallback>
+  </mc:AlternateContent>
 </p:sldLayout>
 </file>
 
@@ -9051,7 +9269,7 @@
           <a:noFill/>
           <a:extLst>
             <a:ext uri="{909E8E84-426E-40dd-AFC4-6F175D3DCCD1}">
-              <a14:hiddenFill xmlns:a14="http://schemas.microsoft.com/office/drawing/2010/main" xmlns="">
+              <a14:hiddenFill xmlns="" xmlns:a14="http://schemas.microsoft.com/office/drawing/2010/main">
                 <a:solidFill>
                   <a:srgbClr val="FFFFFF"/>
                 </a:solidFill>
@@ -9125,7 +9343,7 @@
               </a:ln>
               <a:extLst>
                 <a:ext uri="{91240B29-F687-4f45-9708-019B960494DF}">
-                  <a14:hiddenLine xmlns:a14="http://schemas.microsoft.com/office/drawing/2010/main" xmlns="" w="9525">
+                  <a14:hiddenLine xmlns="" xmlns:a14="http://schemas.microsoft.com/office/drawing/2010/main" w="9525">
                     <a:solidFill>
                       <a:srgbClr val="000000"/>
                     </a:solidFill>
@@ -9215,7 +9433,7 @@
               </a:ln>
               <a:extLst>
                 <a:ext uri="{91240B29-F687-4f45-9708-019B960494DF}">
-                  <a14:hiddenLine xmlns:a14="http://schemas.microsoft.com/office/drawing/2010/main" xmlns="" w="9525">
+                  <a14:hiddenLine xmlns="" xmlns:a14="http://schemas.microsoft.com/office/drawing/2010/main" w="9525">
                     <a:solidFill>
                       <a:srgbClr val="000000"/>
                     </a:solidFill>
@@ -9305,7 +9523,7 @@
               </a:ln>
               <a:extLst>
                 <a:ext uri="{91240B29-F687-4f45-9708-019B960494DF}">
-                  <a14:hiddenLine xmlns:a14="http://schemas.microsoft.com/office/drawing/2010/main" xmlns="" w="9525">
+                  <a14:hiddenLine xmlns="" xmlns:a14="http://schemas.microsoft.com/office/drawing/2010/main" w="9525">
                     <a:solidFill>
                       <a:srgbClr val="000000"/>
                     </a:solidFill>
@@ -9367,7 +9585,7 @@
               </a:ln>
               <a:extLst>
                 <a:ext uri="{91240B29-F687-4f45-9708-019B960494DF}">
-                  <a14:hiddenLine xmlns:a14="http://schemas.microsoft.com/office/drawing/2010/main" xmlns="" w="9525">
+                  <a14:hiddenLine xmlns="" xmlns:a14="http://schemas.microsoft.com/office/drawing/2010/main" w="9525">
                     <a:solidFill>
                       <a:srgbClr val="000000"/>
                     </a:solidFill>
@@ -9457,7 +9675,7 @@
               </a:ln>
               <a:extLst>
                 <a:ext uri="{91240B29-F687-4f45-9708-019B960494DF}">
-                  <a14:hiddenLine xmlns:a14="http://schemas.microsoft.com/office/drawing/2010/main" xmlns="" w="9525">
+                  <a14:hiddenLine xmlns="" xmlns:a14="http://schemas.microsoft.com/office/drawing/2010/main" w="9525">
                     <a:solidFill>
                       <a:srgbClr val="000000"/>
                     </a:solidFill>
@@ -9519,7 +9737,7 @@
               </a:ln>
               <a:extLst>
                 <a:ext uri="{91240B29-F687-4f45-9708-019B960494DF}">
-                  <a14:hiddenLine xmlns:a14="http://schemas.microsoft.com/office/drawing/2010/main" xmlns="" w="9525">
+                  <a14:hiddenLine xmlns="" xmlns:a14="http://schemas.microsoft.com/office/drawing/2010/main" w="9525">
                     <a:solidFill>
                       <a:srgbClr val="000000"/>
                     </a:solidFill>
@@ -9581,7 +9799,7 @@
               </a:ln>
               <a:extLst>
                 <a:ext uri="{91240B29-F687-4f45-9708-019B960494DF}">
-                  <a14:hiddenLine xmlns:a14="http://schemas.microsoft.com/office/drawing/2010/main" xmlns="" w="9525">
+                  <a14:hiddenLine xmlns="" xmlns:a14="http://schemas.microsoft.com/office/drawing/2010/main" w="9525">
                     <a:solidFill>
                       <a:srgbClr val="000000"/>
                     </a:solidFill>
@@ -9671,7 +9889,7 @@
               </a:ln>
               <a:extLst>
                 <a:ext uri="{91240B29-F687-4f45-9708-019B960494DF}">
-                  <a14:hiddenLine xmlns:a14="http://schemas.microsoft.com/office/drawing/2010/main" xmlns="" w="9525">
+                  <a14:hiddenLine xmlns="" xmlns:a14="http://schemas.microsoft.com/office/drawing/2010/main" w="9525">
                     <a:solidFill>
                       <a:srgbClr val="000000"/>
                     </a:solidFill>
@@ -9761,7 +9979,7 @@
               </a:ln>
               <a:extLst>
                 <a:ext uri="{91240B29-F687-4f45-9708-019B960494DF}">
-                  <a14:hiddenLine xmlns:a14="http://schemas.microsoft.com/office/drawing/2010/main" xmlns="" w="9525">
+                  <a14:hiddenLine xmlns="" xmlns:a14="http://schemas.microsoft.com/office/drawing/2010/main" w="9525">
                     <a:solidFill>
                       <a:srgbClr val="000000"/>
                     </a:solidFill>
@@ -9823,7 +10041,7 @@
               </a:ln>
               <a:extLst>
                 <a:ext uri="{91240B29-F687-4f45-9708-019B960494DF}">
-                  <a14:hiddenLine xmlns:a14="http://schemas.microsoft.com/office/drawing/2010/main" xmlns="" w="9525">
+                  <a14:hiddenLine xmlns="" xmlns:a14="http://schemas.microsoft.com/office/drawing/2010/main" w="9525">
                     <a:solidFill>
                       <a:srgbClr val="000000"/>
                     </a:solidFill>
@@ -9933,7 +10151,7 @@
               </a:ln>
               <a:extLst>
                 <a:ext uri="{91240B29-F687-4f45-9708-019B960494DF}">
-                  <a14:hiddenLine xmlns:a14="http://schemas.microsoft.com/office/drawing/2010/main" xmlns="" w="9525">
+                  <a14:hiddenLine xmlns="" xmlns:a14="http://schemas.microsoft.com/office/drawing/2010/main" w="9525">
                     <a:solidFill>
                       <a:srgbClr val="000000"/>
                     </a:solidFill>
@@ -10017,7 +10235,7 @@
               </a:ln>
               <a:extLst>
                 <a:ext uri="{91240B29-F687-4f45-9708-019B960494DF}">
-                  <a14:hiddenLine xmlns:a14="http://schemas.microsoft.com/office/drawing/2010/main" xmlns="" w="9525">
+                  <a14:hiddenLine xmlns="" xmlns:a14="http://schemas.microsoft.com/office/drawing/2010/main" w="9525">
                     <a:solidFill>
                       <a:srgbClr val="000000"/>
                     </a:solidFill>
@@ -10079,7 +10297,7 @@
               </a:ln>
               <a:extLst>
                 <a:ext uri="{91240B29-F687-4f45-9708-019B960494DF}">
-                  <a14:hiddenLine xmlns:a14="http://schemas.microsoft.com/office/drawing/2010/main" xmlns="" w="9525">
+                  <a14:hiddenLine xmlns="" xmlns:a14="http://schemas.microsoft.com/office/drawing/2010/main" w="9525">
                     <a:solidFill>
                       <a:srgbClr val="000000"/>
                     </a:solidFill>
@@ -10141,7 +10359,7 @@
               </a:ln>
               <a:extLst>
                 <a:ext uri="{91240B29-F687-4f45-9708-019B960494DF}">
-                  <a14:hiddenLine xmlns:a14="http://schemas.microsoft.com/office/drawing/2010/main" xmlns="" w="9525">
+                  <a14:hiddenLine xmlns="" xmlns:a14="http://schemas.microsoft.com/office/drawing/2010/main" w="9525">
                     <a:solidFill>
                       <a:srgbClr val="000000"/>
                     </a:solidFill>
@@ -10231,7 +10449,7 @@
               </a:ln>
               <a:extLst>
                 <a:ext uri="{91240B29-F687-4f45-9708-019B960494DF}">
-                  <a14:hiddenLine xmlns:a14="http://schemas.microsoft.com/office/drawing/2010/main" xmlns="" w="9525">
+                  <a14:hiddenLine xmlns="" xmlns:a14="http://schemas.microsoft.com/office/drawing/2010/main" w="9525">
                     <a:solidFill>
                       <a:srgbClr val="000000"/>
                     </a:solidFill>
@@ -10265,7 +10483,7 @@
               </a:ln>
               <a:extLst>
                 <a:ext uri="{91240B29-F687-4f45-9708-019B960494DF}">
-                  <a14:hiddenLine xmlns:a14="http://schemas.microsoft.com/office/drawing/2010/main" xmlns="" w="9525">
+                  <a14:hiddenLine xmlns="" xmlns:a14="http://schemas.microsoft.com/office/drawing/2010/main" w="9525">
                     <a:solidFill>
                       <a:srgbClr val="000000"/>
                     </a:solidFill>
@@ -10330,7 +10548,7 @@
               </a:ln>
               <a:extLst>
                 <a:ext uri="{91240B29-F687-4f45-9708-019B960494DF}">
-                  <a14:hiddenLine xmlns:a14="http://schemas.microsoft.com/office/drawing/2010/main" xmlns="" w="9525">
+                  <a14:hiddenLine xmlns="" xmlns:a14="http://schemas.microsoft.com/office/drawing/2010/main" w="9525">
                     <a:solidFill>
                       <a:srgbClr val="000000"/>
                     </a:solidFill>
@@ -10420,7 +10638,7 @@
               </a:ln>
               <a:extLst>
                 <a:ext uri="{91240B29-F687-4f45-9708-019B960494DF}">
-                  <a14:hiddenLine xmlns:a14="http://schemas.microsoft.com/office/drawing/2010/main" xmlns="" w="9525">
+                  <a14:hiddenLine xmlns="" xmlns:a14="http://schemas.microsoft.com/office/drawing/2010/main" w="9525">
                     <a:solidFill>
                       <a:srgbClr val="000000"/>
                     </a:solidFill>
@@ -10482,7 +10700,7 @@
               </a:ln>
               <a:extLst>
                 <a:ext uri="{91240B29-F687-4f45-9708-019B960494DF}">
-                  <a14:hiddenLine xmlns:a14="http://schemas.microsoft.com/office/drawing/2010/main" xmlns="" w="9525">
+                  <a14:hiddenLine xmlns="" xmlns:a14="http://schemas.microsoft.com/office/drawing/2010/main" w="9525">
                     <a:solidFill>
                       <a:srgbClr val="000000"/>
                     </a:solidFill>
@@ -10572,7 +10790,7 @@
               </a:ln>
               <a:extLst>
                 <a:ext uri="{91240B29-F687-4f45-9708-019B960494DF}">
-                  <a14:hiddenLine xmlns:a14="http://schemas.microsoft.com/office/drawing/2010/main" xmlns="" w="9525">
+                  <a14:hiddenLine xmlns="" xmlns:a14="http://schemas.microsoft.com/office/drawing/2010/main" w="9525">
                     <a:solidFill>
                       <a:srgbClr val="000000"/>
                     </a:solidFill>
@@ -10637,7 +10855,7 @@
               </a:ln>
               <a:extLst>
                 <a:ext uri="{91240B29-F687-4f45-9708-019B960494DF}">
-                  <a14:hiddenLine xmlns:a14="http://schemas.microsoft.com/office/drawing/2010/main" xmlns="" w="9525">
+                  <a14:hiddenLine xmlns="" xmlns:a14="http://schemas.microsoft.com/office/drawing/2010/main" w="9525">
                     <a:solidFill>
                       <a:srgbClr val="000000"/>
                     </a:solidFill>
@@ -10699,7 +10917,7 @@
               </a:ln>
               <a:extLst>
                 <a:ext uri="{91240B29-F687-4f45-9708-019B960494DF}">
-                  <a14:hiddenLine xmlns:a14="http://schemas.microsoft.com/office/drawing/2010/main" xmlns="" w="9525">
+                  <a14:hiddenLine xmlns="" xmlns:a14="http://schemas.microsoft.com/office/drawing/2010/main" w="9525">
                     <a:solidFill>
                       <a:srgbClr val="000000"/>
                     </a:solidFill>
@@ -10789,7 +11007,7 @@
               </a:ln>
               <a:extLst>
                 <a:ext uri="{91240B29-F687-4f45-9708-019B960494DF}">
-                  <a14:hiddenLine xmlns:a14="http://schemas.microsoft.com/office/drawing/2010/main" xmlns="" w="9525">
+                  <a14:hiddenLine xmlns="" xmlns:a14="http://schemas.microsoft.com/office/drawing/2010/main" w="9525">
                     <a:solidFill>
                       <a:srgbClr val="000000"/>
                     </a:solidFill>
@@ -10879,7 +11097,7 @@
               </a:ln>
               <a:extLst>
                 <a:ext uri="{91240B29-F687-4f45-9708-019B960494DF}">
-                  <a14:hiddenLine xmlns:a14="http://schemas.microsoft.com/office/drawing/2010/main" xmlns="" w="9525">
+                  <a14:hiddenLine xmlns="" xmlns:a14="http://schemas.microsoft.com/office/drawing/2010/main" w="9525">
                     <a:solidFill>
                       <a:srgbClr val="000000"/>
                     </a:solidFill>
@@ -10944,7 +11162,7 @@
               </a:ln>
               <a:extLst>
                 <a:ext uri="{91240B29-F687-4f45-9708-019B960494DF}">
-                  <a14:hiddenLine xmlns:a14="http://schemas.microsoft.com/office/drawing/2010/main" xmlns="" w="9525">
+                  <a14:hiddenLine xmlns="" xmlns:a14="http://schemas.microsoft.com/office/drawing/2010/main" w="9525">
                     <a:solidFill>
                       <a:srgbClr val="000000"/>
                     </a:solidFill>
@@ -11064,7 +11282,7 @@
               </a:ln>
               <a:extLst>
                 <a:ext uri="{91240B29-F687-4f45-9708-019B960494DF}">
-                  <a14:hiddenLine xmlns:a14="http://schemas.microsoft.com/office/drawing/2010/main" xmlns="" w="9525">
+                  <a14:hiddenLine xmlns="" xmlns:a14="http://schemas.microsoft.com/office/drawing/2010/main" w="9525">
                     <a:solidFill>
                       <a:srgbClr val="000000"/>
                     </a:solidFill>
@@ -11162,7 +11380,7 @@
               </a:ln>
               <a:extLst>
                 <a:ext uri="{91240B29-F687-4f45-9708-019B960494DF}">
-                  <a14:hiddenLine xmlns:a14="http://schemas.microsoft.com/office/drawing/2010/main" xmlns="" w="9525">
+                  <a14:hiddenLine xmlns="" xmlns:a14="http://schemas.microsoft.com/office/drawing/2010/main" w="9525">
                     <a:solidFill>
                       <a:srgbClr val="000000"/>
                     </a:solidFill>
@@ -11277,7 +11495,7 @@
               </a:ln>
               <a:extLst>
                 <a:ext uri="{91240B29-F687-4f45-9708-019B960494DF}">
-                  <a14:hiddenLine xmlns:a14="http://schemas.microsoft.com/office/drawing/2010/main" xmlns="" w="9525">
+                  <a14:hiddenLine xmlns="" xmlns:a14="http://schemas.microsoft.com/office/drawing/2010/main" w="9525">
                     <a:solidFill>
                       <a:srgbClr val="000000"/>
                     </a:solidFill>
@@ -11367,7 +11585,7 @@
               </a:ln>
               <a:extLst>
                 <a:ext uri="{91240B29-F687-4f45-9708-019B960494DF}">
-                  <a14:hiddenLine xmlns:a14="http://schemas.microsoft.com/office/drawing/2010/main" xmlns="" w="9525">
+                  <a14:hiddenLine xmlns="" xmlns:a14="http://schemas.microsoft.com/office/drawing/2010/main" w="9525">
                     <a:solidFill>
                       <a:srgbClr val="000000"/>
                     </a:solidFill>
@@ -11432,7 +11650,7 @@
               </a:ln>
               <a:extLst>
                 <a:ext uri="{91240B29-F687-4f45-9708-019B960494DF}">
-                  <a14:hiddenLine xmlns:a14="http://schemas.microsoft.com/office/drawing/2010/main" xmlns="" w="9525">
+                  <a14:hiddenLine xmlns="" xmlns:a14="http://schemas.microsoft.com/office/drawing/2010/main" w="9525">
                     <a:solidFill>
                       <a:srgbClr val="000000"/>
                     </a:solidFill>
@@ -11522,7 +11740,7 @@
               </a:ln>
               <a:extLst>
                 <a:ext uri="{91240B29-F687-4f45-9708-019B960494DF}">
-                  <a14:hiddenLine xmlns:a14="http://schemas.microsoft.com/office/drawing/2010/main" xmlns="" w="9525">
+                  <a14:hiddenLine xmlns="" xmlns:a14="http://schemas.microsoft.com/office/drawing/2010/main" w="9525">
                     <a:solidFill>
                       <a:srgbClr val="000000"/>
                     </a:solidFill>
@@ -11590,7 +11808,7 @@
               </a:ln>
               <a:extLst>
                 <a:ext uri="{91240B29-F687-4f45-9708-019B960494DF}">
-                  <a14:hiddenLine xmlns:a14="http://schemas.microsoft.com/office/drawing/2010/main" xmlns="" w="9525">
+                  <a14:hiddenLine xmlns="" xmlns:a14="http://schemas.microsoft.com/office/drawing/2010/main" w="9525">
                     <a:solidFill>
                       <a:srgbClr val="000000"/>
                     </a:solidFill>
@@ -11680,7 +11898,7 @@
               </a:ln>
               <a:extLst>
                 <a:ext uri="{91240B29-F687-4f45-9708-019B960494DF}">
-                  <a14:hiddenLine xmlns:a14="http://schemas.microsoft.com/office/drawing/2010/main" xmlns="" w="9525">
+                  <a14:hiddenLine xmlns="" xmlns:a14="http://schemas.microsoft.com/office/drawing/2010/main" w="9525">
                     <a:solidFill>
                       <a:srgbClr val="000000"/>
                     </a:solidFill>
@@ -11748,7 +11966,7 @@
               </a:ln>
               <a:extLst>
                 <a:ext uri="{91240B29-F687-4f45-9708-019B960494DF}">
-                  <a14:hiddenLine xmlns:a14="http://schemas.microsoft.com/office/drawing/2010/main" xmlns="" w="9525">
+                  <a14:hiddenLine xmlns="" xmlns:a14="http://schemas.microsoft.com/office/drawing/2010/main" w="9525">
                     <a:solidFill>
                       <a:srgbClr val="000000"/>
                     </a:solidFill>
@@ -11838,7 +12056,7 @@
               </a:ln>
               <a:extLst>
                 <a:ext uri="{91240B29-F687-4f45-9708-019B960494DF}">
-                  <a14:hiddenLine xmlns:a14="http://schemas.microsoft.com/office/drawing/2010/main" xmlns="" w="9525">
+                  <a14:hiddenLine xmlns="" xmlns:a14="http://schemas.microsoft.com/office/drawing/2010/main" w="9525">
                     <a:solidFill>
                       <a:srgbClr val="000000"/>
                     </a:solidFill>
@@ -11872,7 +12090,7 @@
               </a:ln>
               <a:extLst>
                 <a:ext uri="{91240B29-F687-4f45-9708-019B960494DF}">
-                  <a14:hiddenLine xmlns:a14="http://schemas.microsoft.com/office/drawing/2010/main" xmlns="" w="9525">
+                  <a14:hiddenLine xmlns="" xmlns:a14="http://schemas.microsoft.com/office/drawing/2010/main" w="9525">
                     <a:solidFill>
                       <a:srgbClr val="000000"/>
                     </a:solidFill>
@@ -12123,6 +12341,18 @@
     <p:sldLayoutId id="2147483676" r:id="rId16"/>
     <p:sldLayoutId id="2147483677" r:id="rId17"/>
   </p:sldLayoutIdLst>
+  <mc:AlternateContent xmlns:mc="http://schemas.openxmlformats.org/markup-compatibility/2006">
+    <mc:Choice xmlns:p14="http://schemas.microsoft.com/office/powerpoint/2010/main" Requires="p14">
+      <p:transition spd="slow" p14:dur="3400">
+        <p14:reveal/>
+      </p:transition>
+    </mc:Choice>
+    <mc:Fallback>
+      <p:transition spd="slow">
+        <p:fade/>
+      </p:transition>
+    </mc:Fallback>
+  </mc:AlternateContent>
   <p:txStyles>
     <p:titleStyle>
       <a:lvl1pPr algn="l" defTabSz="914400" rtl="0" eaLnBrk="1" latinLnBrk="0" hangingPunct="1">
@@ -12600,7 +12830,7 @@
             <a:noFill/>
             <a:extLst>
               <a:ext uri="{909E8E84-426E-40dd-AFC4-6F175D3DCCD1}">
-                <a14:hiddenFill xmlns="" xmlns:a16="http://schemas.microsoft.com/office/drawing/2014/main" xmlns:a14="http://schemas.microsoft.com/office/drawing/2010/main" xmlns:p14="http://schemas.microsoft.com/office/powerpoint/2010/main">
+                <a14:hiddenFill xmlns:p14="http://schemas.microsoft.com/office/powerpoint/2010/main" xmlns:a14="http://schemas.microsoft.com/office/drawing/2010/main" xmlns:a16="http://schemas.microsoft.com/office/drawing/2014/main" xmlns="">
                   <a:solidFill>
                     <a:srgbClr val="FFFFFF"/>
                   </a:solidFill>
@@ -14708,6 +14938,18 @@
   <p:clrMapOvr>
     <a:masterClrMapping/>
   </p:clrMapOvr>
+  <mc:AlternateContent xmlns:mc="http://schemas.openxmlformats.org/markup-compatibility/2006">
+    <mc:Choice xmlns:p14="http://schemas.microsoft.com/office/powerpoint/2010/main" Requires="p14">
+      <p:transition spd="slow" p14:dur="3400">
+        <p14:reveal/>
+      </p:transition>
+    </mc:Choice>
+    <mc:Fallback>
+      <p:transition spd="slow">
+        <p:fade/>
+      </p:transition>
+    </mc:Fallback>
+  </mc:AlternateContent>
   <p:timing>
     <p:tnLst>
       <p:par>
@@ -14850,7 +15092,439 @@
 </p:sld>
 </file>
 
+<file path=ppt/slides/slide10.xml><?xml version="1.0" encoding="utf-8"?>
+<p:sld xmlns:a="http://schemas.openxmlformats.org/drawingml/2006/main" xmlns:r="http://schemas.openxmlformats.org/officeDocument/2006/relationships" xmlns:p="http://schemas.openxmlformats.org/presentationml/2006/main">
+  <p:cSld>
+    <p:spTree>
+      <p:nvGrpSpPr>
+        <p:cNvPr id="1" name=""/>
+        <p:cNvGrpSpPr/>
+        <p:nvPr/>
+      </p:nvGrpSpPr>
+      <p:grpSpPr>
+        <a:xfrm>
+          <a:off x="0" y="0"/>
+          <a:ext cx="0" cy="0"/>
+          <a:chOff x="0" y="0"/>
+          <a:chExt cx="0" cy="0"/>
+        </a:xfrm>
+      </p:grpSpPr>
+      <p:sp>
+        <p:nvSpPr>
+          <p:cNvPr id="4" name="Title 3">
+            <a:extLst>
+              <a:ext uri="{FF2B5EF4-FFF2-40B4-BE49-F238E27FC236}">
+                <a16:creationId xmlns:a16="http://schemas.microsoft.com/office/drawing/2014/main" id="{9D3FEC43-6D86-860A-ED16-8CAFD7C8C9E1}"/>
+              </a:ext>
+            </a:extLst>
+          </p:cNvPr>
+          <p:cNvSpPr>
+            <a:spLocks noGrp="1"/>
+          </p:cNvSpPr>
+          <p:nvPr>
+            <p:ph type="title"/>
+          </p:nvPr>
+        </p:nvSpPr>
+        <p:spPr>
+          <a:xfrm>
+            <a:off x="1146705" y="609601"/>
+            <a:ext cx="4077228" cy="1639884"/>
+          </a:xfrm>
+        </p:spPr>
+        <p:txBody>
+          <a:bodyPr/>
+          <a:lstStyle/>
+          <a:p>
+            <a:r>
+              <a:rPr lang="en-US" dirty="0"/>
+              <a:t>Fitbit Versa 3</a:t>
+            </a:r>
+          </a:p>
+        </p:txBody>
+      </p:sp>
+      <p:sp>
+        <p:nvSpPr>
+          <p:cNvPr id="6" name="Text Placeholder 5">
+            <a:extLst>
+              <a:ext uri="{FF2B5EF4-FFF2-40B4-BE49-F238E27FC236}">
+                <a16:creationId xmlns:a16="http://schemas.microsoft.com/office/drawing/2014/main" id="{FE632A3F-8AF5-03D4-A485-94022D657DB1}"/>
+              </a:ext>
+            </a:extLst>
+          </p:cNvPr>
+          <p:cNvSpPr>
+            <a:spLocks noGrp="1"/>
+          </p:cNvSpPr>
+          <p:nvPr>
+            <p:ph type="body" sz="half" idx="2"/>
+          </p:nvPr>
+        </p:nvSpPr>
+        <p:spPr>
+          <a:xfrm>
+            <a:off x="1146704" y="2249486"/>
+            <a:ext cx="4949295" cy="3541714"/>
+          </a:xfrm>
+        </p:spPr>
+        <p:txBody>
+          <a:bodyPr/>
+          <a:lstStyle/>
+          <a:p>
+            <a:pPr marL="285750" indent="-285750">
+              <a:buFont typeface="Arial" panose="020B0604020202020204" pitchFamily="34" charset="0"/>
+              <a:buChar char="•"/>
+            </a:pPr>
+            <a:r>
+              <a:rPr lang="en-US" dirty="0"/>
+              <a:t>Has a sleek and lightweight design with an AMOLED display</a:t>
+            </a:r>
+          </a:p>
+          <a:p>
+            <a:pPr marL="285750" indent="-285750">
+              <a:buFont typeface="Arial" panose="020B0604020202020204" pitchFamily="34" charset="0"/>
+              <a:buChar char="•"/>
+            </a:pPr>
+            <a:r>
+              <a:rPr lang="en-US" dirty="0"/>
+              <a:t>Tracks various activities, sleep stages, and SpO2 levels</a:t>
+            </a:r>
+          </a:p>
+          <a:p>
+            <a:pPr marL="285750" indent="-285750">
+              <a:buFont typeface="Arial" panose="020B0604020202020204" pitchFamily="34" charset="0"/>
+              <a:buChar char="•"/>
+            </a:pPr>
+            <a:r>
+              <a:rPr lang="en-US" dirty="0"/>
+              <a:t>Supports voice assistants, calls, and notifications</a:t>
+            </a:r>
+          </a:p>
+          <a:p>
+            <a:pPr marL="285750" indent="-285750">
+              <a:buFont typeface="Arial" panose="020B0604020202020204" pitchFamily="34" charset="0"/>
+              <a:buChar char="•"/>
+            </a:pPr>
+            <a:r>
+              <a:rPr lang="en-US" dirty="0"/>
+              <a:t>Compatible with both iOS and Android devices</a:t>
+            </a:r>
+          </a:p>
+          <a:p>
+            <a:pPr marL="285750" indent="-285750">
+              <a:buFont typeface="Arial" panose="020B0604020202020204" pitchFamily="34" charset="0"/>
+              <a:buChar char="•"/>
+            </a:pPr>
+            <a:r>
+              <a:rPr lang="en-US" dirty="0"/>
+              <a:t>Comes with a six-month free trial of Fitbit Premium</a:t>
+            </a:r>
+          </a:p>
+        </p:txBody>
+      </p:sp>
+      <p:pic>
+        <p:nvPicPr>
+          <p:cNvPr id="7170" name="Picture 2" descr="Watch + GPS | Fitbit Versa 3">
+            <a:extLst>
+              <a:ext uri="{FF2B5EF4-FFF2-40B4-BE49-F238E27FC236}">
+                <a16:creationId xmlns:a16="http://schemas.microsoft.com/office/drawing/2014/main" id="{B836FA05-7654-DC44-F472-68ADD5559E0A}"/>
+              </a:ext>
+            </a:extLst>
+          </p:cNvPr>
+          <p:cNvPicPr>
+            <a:picLocks noGrp="1" noChangeAspect="1" noChangeArrowheads="1"/>
+          </p:cNvPicPr>
+          <p:nvPr>
+            <p:ph idx="1"/>
+          </p:nvPr>
+        </p:nvPicPr>
+        <p:blipFill>
+          <a:blip r:embed="rId2">
+            <a:extLst>
+              <a:ext uri="{28A0092B-C50C-407E-A947-70E740481C1C}">
+                <a14:useLocalDpi xmlns:a14="http://schemas.microsoft.com/office/drawing/2010/main" val="0"/>
+              </a:ext>
+            </a:extLst>
+          </a:blip>
+          <a:srcRect/>
+          <a:stretch>
+            <a:fillRect/>
+          </a:stretch>
+        </p:blipFill>
+        <p:spPr bwMode="auto">
+          <a:xfrm>
+            <a:off x="5846233" y="829469"/>
+            <a:ext cx="5199062" cy="5199062"/>
+          </a:xfrm>
+          <a:prstGeom prst="rect">
+            <a:avLst/>
+          </a:prstGeom>
+          <a:noFill/>
+          <a:extLst>
+            <a:ext uri="{909E8E84-426E-40DD-AFC4-6F175D3DCCD1}">
+              <a14:hiddenFill xmlns:a14="http://schemas.microsoft.com/office/drawing/2010/main">
+                <a:solidFill>
+                  <a:srgbClr val="FFFFFF"/>
+                </a:solidFill>
+              </a14:hiddenFill>
+            </a:ext>
+          </a:extLst>
+        </p:spPr>
+      </p:pic>
+    </p:spTree>
+    <p:extLst>
+      <p:ext uri="{BB962C8B-B14F-4D97-AF65-F5344CB8AC3E}">
+        <p14:creationId xmlns:p14="http://schemas.microsoft.com/office/powerpoint/2010/main" val="4075370578"/>
+      </p:ext>
+    </p:extLst>
+  </p:cSld>
+  <p:clrMapOvr>
+    <a:masterClrMapping/>
+  </p:clrMapOvr>
+  <mc:AlternateContent xmlns:mc="http://schemas.openxmlformats.org/markup-compatibility/2006">
+    <mc:Choice xmlns:p14="http://schemas.microsoft.com/office/powerpoint/2010/main" Requires="p14">
+      <p:transition spd="slow" p14:dur="3400">
+        <p14:reveal/>
+      </p:transition>
+    </mc:Choice>
+    <mc:Fallback>
+      <p:transition spd="slow">
+        <p:fade/>
+      </p:transition>
+    </mc:Fallback>
+  </mc:AlternateContent>
+</p:sld>
+</file>
+
+<file path=ppt/slides/slide11.xml><?xml version="1.0" encoding="utf-8"?>
+<p:sld xmlns:a="http://schemas.openxmlformats.org/drawingml/2006/main" xmlns:r="http://schemas.openxmlformats.org/officeDocument/2006/relationships" xmlns:p="http://schemas.openxmlformats.org/presentationml/2006/main">
+  <p:cSld>
+    <p:spTree>
+      <p:nvGrpSpPr>
+        <p:cNvPr id="1" name=""/>
+        <p:cNvGrpSpPr/>
+        <p:nvPr/>
+      </p:nvGrpSpPr>
+      <p:grpSpPr>
+        <a:xfrm>
+          <a:off x="0" y="0"/>
+          <a:ext cx="0" cy="0"/>
+          <a:chOff x="0" y="0"/>
+          <a:chExt cx="0" cy="0"/>
+        </a:xfrm>
+      </p:grpSpPr>
+      <p:sp>
+        <p:nvSpPr>
+          <p:cNvPr id="5" name="Title 4">
+            <a:extLst>
+              <a:ext uri="{FF2B5EF4-FFF2-40B4-BE49-F238E27FC236}">
+                <a16:creationId xmlns:a16="http://schemas.microsoft.com/office/drawing/2014/main" id="{AA27AB09-0C60-96D3-4E91-E10DF590A0C3}"/>
+              </a:ext>
+            </a:extLst>
+          </p:cNvPr>
+          <p:cNvSpPr>
+            <a:spLocks noGrp="1"/>
+          </p:cNvSpPr>
+          <p:nvPr>
+            <p:ph type="ctrTitle"/>
+          </p:nvPr>
+        </p:nvSpPr>
+        <p:spPr/>
+        <p:txBody>
+          <a:bodyPr/>
+          <a:lstStyle/>
+          <a:p>
+            <a:r>
+              <a:rPr lang="en-US" dirty="0"/>
+              <a:t>Thanks for watching!</a:t>
+            </a:r>
+          </a:p>
+        </p:txBody>
+      </p:sp>
+      <p:sp>
+        <p:nvSpPr>
+          <p:cNvPr id="6" name="Subtitle 5">
+            <a:extLst>
+              <a:ext uri="{FF2B5EF4-FFF2-40B4-BE49-F238E27FC236}">
+                <a16:creationId xmlns:a16="http://schemas.microsoft.com/office/drawing/2014/main" id="{96C4986D-24F4-943D-A02D-4D3235273A5D}"/>
+              </a:ext>
+            </a:extLst>
+          </p:cNvPr>
+          <p:cNvSpPr>
+            <a:spLocks noGrp="1"/>
+          </p:cNvSpPr>
+          <p:nvPr>
+            <p:ph type="subTitle" idx="1"/>
+          </p:nvPr>
+        </p:nvSpPr>
+        <p:spPr/>
+        <p:txBody>
+          <a:bodyPr/>
+          <a:lstStyle/>
+          <a:p>
+            <a:r>
+              <a:rPr lang="en-US" dirty="0"/>
+              <a:t>Have a nice day!</a:t>
+            </a:r>
+          </a:p>
+        </p:txBody>
+      </p:sp>
+    </p:spTree>
+    <p:extLst>
+      <p:ext uri="{BB962C8B-B14F-4D97-AF65-F5344CB8AC3E}">
+        <p14:creationId xmlns:p14="http://schemas.microsoft.com/office/powerpoint/2010/main" val="1780878946"/>
+      </p:ext>
+    </p:extLst>
+  </p:cSld>
+  <p:clrMapOvr>
+    <a:masterClrMapping/>
+  </p:clrMapOvr>
+  <mc:AlternateContent xmlns:mc="http://schemas.openxmlformats.org/markup-compatibility/2006">
+    <mc:Choice xmlns:p14="http://schemas.microsoft.com/office/powerpoint/2010/main" Requires="p14">
+      <p:transition spd="slow" p14:dur="3400">
+        <p14:reveal/>
+      </p:transition>
+    </mc:Choice>
+    <mc:Fallback>
+      <p:transition spd="slow">
+        <p:fade/>
+      </p:transition>
+    </mc:Fallback>
+  </mc:AlternateContent>
+</p:sld>
+</file>
+
 <file path=ppt/slides/slide2.xml><?xml version="1.0" encoding="utf-8"?>
+<p:sld xmlns:a="http://schemas.openxmlformats.org/drawingml/2006/main" xmlns:r="http://schemas.openxmlformats.org/officeDocument/2006/relationships" xmlns:p="http://schemas.openxmlformats.org/presentationml/2006/main">
+  <p:cSld>
+    <p:spTree>
+      <p:nvGrpSpPr>
+        <p:cNvPr id="1" name=""/>
+        <p:cNvGrpSpPr/>
+        <p:nvPr/>
+      </p:nvGrpSpPr>
+      <p:grpSpPr>
+        <a:xfrm>
+          <a:off x="0" y="0"/>
+          <a:ext cx="0" cy="0"/>
+          <a:chOff x="0" y="0"/>
+          <a:chExt cx="0" cy="0"/>
+        </a:xfrm>
+      </p:grpSpPr>
+      <p:sp>
+        <p:nvSpPr>
+          <p:cNvPr id="4" name="Title 3">
+            <a:extLst>
+              <a:ext uri="{FF2B5EF4-FFF2-40B4-BE49-F238E27FC236}">
+                <a16:creationId xmlns:a16="http://schemas.microsoft.com/office/drawing/2014/main" id="{F38412DB-8363-6475-1243-AAB7D98D6969}"/>
+              </a:ext>
+            </a:extLst>
+          </p:cNvPr>
+          <p:cNvSpPr>
+            <a:spLocks noGrp="1"/>
+          </p:cNvSpPr>
+          <p:nvPr>
+            <p:ph type="title"/>
+          </p:nvPr>
+        </p:nvSpPr>
+        <p:spPr/>
+        <p:txBody>
+          <a:bodyPr/>
+          <a:lstStyle/>
+          <a:p>
+            <a:pPr algn="ctr"/>
+            <a:r>
+              <a:rPr lang="en-US" dirty="0"/>
+              <a:t>But before we start, a quick quiz about smart watches</a:t>
+            </a:r>
+          </a:p>
+        </p:txBody>
+      </p:sp>
+      <p:pic>
+        <p:nvPicPr>
+          <p:cNvPr id="11" name="Content Placeholder 10">
+            <a:extLst>
+              <a:ext uri="{FF2B5EF4-FFF2-40B4-BE49-F238E27FC236}">
+                <a16:creationId xmlns:a16="http://schemas.microsoft.com/office/drawing/2014/main" id="{DAAE390D-3882-C9CF-5C57-D263DA8DBA35}"/>
+              </a:ext>
+            </a:extLst>
+          </p:cNvPr>
+          <p:cNvPicPr>
+            <a:picLocks noGrp="1" noChangeAspect="1"/>
+          </p:cNvPicPr>
+          <p:nvPr>
+            <p:ph idx="1"/>
+          </p:nvPr>
+        </p:nvPicPr>
+        <p:blipFill>
+          <a:blip r:embed="rId2">
+            <a:extLst>
+              <a:ext uri="{28A0092B-C50C-407E-A947-70E740481C1C}">
+                <a14:useLocalDpi xmlns:a14="http://schemas.microsoft.com/office/drawing/2010/main" val="0"/>
+              </a:ext>
+            </a:extLst>
+          </a:blip>
+          <a:stretch>
+            <a:fillRect/>
+          </a:stretch>
+        </p:blipFill>
+        <p:spPr>
+          <a:xfrm>
+            <a:off x="4323557" y="2249488"/>
+            <a:ext cx="3541712" cy="3541712"/>
+          </a:xfrm>
+          <a:prstGeom prst="roundRect">
+            <a:avLst>
+              <a:gd name="adj" fmla="val 16667"/>
+            </a:avLst>
+          </a:prstGeom>
+          <a:ln>
+            <a:noFill/>
+          </a:ln>
+          <a:effectLst>
+            <a:outerShdw blurRad="76200" dist="38100" dir="7800000" algn="tl" rotWithShape="0">
+              <a:srgbClr val="000000">
+                <a:alpha val="40000"/>
+              </a:srgbClr>
+            </a:outerShdw>
+          </a:effectLst>
+          <a:scene3d>
+            <a:camera prst="orthographicFront"/>
+            <a:lightRig rig="contrasting" dir="t">
+              <a:rot lat="0" lon="0" rev="4200000"/>
+            </a:lightRig>
+          </a:scene3d>
+          <a:sp3d prstMaterial="plastic">
+            <a:bevelT w="381000" h="114300" prst="relaxedInset"/>
+            <a:contourClr>
+              <a:srgbClr val="969696"/>
+            </a:contourClr>
+          </a:sp3d>
+        </p:spPr>
+      </p:pic>
+    </p:spTree>
+    <p:extLst>
+      <p:ext uri="{BB962C8B-B14F-4D97-AF65-F5344CB8AC3E}">
+        <p14:creationId xmlns:p14="http://schemas.microsoft.com/office/powerpoint/2010/main" val="3919170377"/>
+      </p:ext>
+    </p:extLst>
+  </p:cSld>
+  <p:clrMapOvr>
+    <a:masterClrMapping/>
+  </p:clrMapOvr>
+  <mc:AlternateContent xmlns:mc="http://schemas.openxmlformats.org/markup-compatibility/2006">
+    <mc:Choice xmlns:p14="http://schemas.microsoft.com/office/powerpoint/2010/main" Requires="p14">
+      <p:transition spd="slow" p14:dur="3400">
+        <p14:reveal/>
+      </p:transition>
+    </mc:Choice>
+    <mc:Fallback>
+      <p:transition spd="slow">
+        <p:fade/>
+      </p:transition>
+    </mc:Fallback>
+  </mc:AlternateContent>
+</p:sld>
+</file>
+
+<file path=ppt/slides/slide3.xml><?xml version="1.0" encoding="utf-8"?>
 <p:sld xmlns:a="http://schemas.openxmlformats.org/drawingml/2006/main" xmlns:r="http://schemas.openxmlformats.org/officeDocument/2006/relationships" xmlns:p="http://schemas.openxmlformats.org/presentationml/2006/main">
   <p:cSld>
     <p:spTree>
@@ -14880,7 +15554,7 @@
             <a:spLocks noGrp="1"/>
           </p:cNvSpPr>
           <p:nvPr>
-            <p:ph type="title"/>
+            <p:ph type="ctrTitle"/>
           </p:nvPr>
         </p:nvSpPr>
         <p:spPr/>
@@ -14888,16 +15562,19 @@
           <a:bodyPr/>
           <a:lstStyle/>
           <a:p>
-            <a:endParaRPr lang="en-US"/>
+            <a:r>
+              <a:rPr lang="en-US" dirty="0"/>
+              <a:t>What are smart watches?</a:t>
+            </a:r>
           </a:p>
         </p:txBody>
       </p:sp>
       <p:sp>
         <p:nvSpPr>
-          <p:cNvPr id="3" name="Content Placeholder 2">
+          <p:cNvPr id="5" name="Subtitle 4">
             <a:extLst>
               <a:ext uri="{FF2B5EF4-FFF2-40B4-BE49-F238E27FC236}">
-                <a16:creationId xmlns:a16="http://schemas.microsoft.com/office/drawing/2014/main" id="{F8AF7886-C610-FCF7-61B5-A2D98106D994}"/>
+                <a16:creationId xmlns:a16="http://schemas.microsoft.com/office/drawing/2014/main" id="{68CDD136-1084-E00D-B425-1A569D2C6F61}"/>
               </a:ext>
             </a:extLst>
           </p:cNvPr>
@@ -14905,7 +15582,7 @@
             <a:spLocks noGrp="1"/>
           </p:cNvSpPr>
           <p:nvPr>
-            <p:ph idx="1"/>
+            <p:ph type="subTitle" idx="1"/>
           </p:nvPr>
         </p:nvSpPr>
         <p:spPr/>
@@ -14913,7 +15590,10 @@
           <a:bodyPr/>
           <a:lstStyle/>
           <a:p>
-            <a:endParaRPr lang="en-US"/>
+            <a:r>
+              <a:rPr lang="en-US" dirty="0"/>
+              <a:t>And the uses of them</a:t>
+            </a:r>
           </a:p>
         </p:txBody>
       </p:sp>
@@ -14927,6 +15607,1104 @@
   <p:clrMapOvr>
     <a:masterClrMapping/>
   </p:clrMapOvr>
+  <mc:AlternateContent xmlns:mc="http://schemas.openxmlformats.org/markup-compatibility/2006">
+    <mc:Choice xmlns:p14="http://schemas.microsoft.com/office/powerpoint/2010/main" Requires="p14">
+      <p:transition spd="slow" p14:dur="3400">
+        <p14:reveal/>
+      </p:transition>
+    </mc:Choice>
+    <mc:Fallback>
+      <p:transition spd="slow">
+        <p:fade/>
+      </p:transition>
+    </mc:Fallback>
+  </mc:AlternateContent>
+</p:sld>
+</file>
+
+<file path=ppt/slides/slide4.xml><?xml version="1.0" encoding="utf-8"?>
+<p:sld xmlns:a="http://schemas.openxmlformats.org/drawingml/2006/main" xmlns:r="http://schemas.openxmlformats.org/officeDocument/2006/relationships" xmlns:p="http://schemas.openxmlformats.org/presentationml/2006/main">
+  <p:cSld>
+    <p:spTree>
+      <p:nvGrpSpPr>
+        <p:cNvPr id="1" name=""/>
+        <p:cNvGrpSpPr/>
+        <p:nvPr/>
+      </p:nvGrpSpPr>
+      <p:grpSpPr>
+        <a:xfrm>
+          <a:off x="0" y="0"/>
+          <a:ext cx="0" cy="0"/>
+          <a:chOff x="0" y="0"/>
+          <a:chExt cx="0" cy="0"/>
+        </a:xfrm>
+      </p:grpSpPr>
+      <p:sp>
+        <p:nvSpPr>
+          <p:cNvPr id="6" name="Text Placeholder 5">
+            <a:extLst>
+              <a:ext uri="{FF2B5EF4-FFF2-40B4-BE49-F238E27FC236}">
+                <a16:creationId xmlns:a16="http://schemas.microsoft.com/office/drawing/2014/main" id="{4016C7C2-4FC2-B049-986F-A5ED69AC8DAE}"/>
+              </a:ext>
+            </a:extLst>
+          </p:cNvPr>
+          <p:cNvSpPr>
+            <a:spLocks noGrp="1"/>
+          </p:cNvSpPr>
+          <p:nvPr>
+            <p:ph type="body" sz="half" idx="2"/>
+          </p:nvPr>
+        </p:nvSpPr>
+        <p:spPr>
+          <a:xfrm>
+            <a:off x="1146705" y="2249486"/>
+            <a:ext cx="4487864" cy="3541714"/>
+          </a:xfrm>
+        </p:spPr>
+        <p:txBody>
+          <a:bodyPr>
+            <a:normAutofit/>
+          </a:bodyPr>
+          <a:lstStyle/>
+          <a:p>
+            <a:pPr algn="r"/>
+            <a:r>
+              <a:rPr lang="en-US" sz="2000" dirty="0"/>
+              <a:t>Smartwatches are wearable devices that do many things like show notifications, track fitness, monitor health, and control other devices.</a:t>
+            </a:r>
+          </a:p>
+        </p:txBody>
+      </p:sp>
+      <p:pic>
+        <p:nvPicPr>
+          <p:cNvPr id="1026" name="Picture 2" descr="Smartwatches are wearable devices that do many things like show notifications, track fitness, monitor health, and control other devices.. Image 3 of 4">
+            <a:extLst>
+              <a:ext uri="{FF2B5EF4-FFF2-40B4-BE49-F238E27FC236}">
+                <a16:creationId xmlns:a16="http://schemas.microsoft.com/office/drawing/2014/main" id="{32EDD968-4D84-CB88-4430-A705BEEF9586}"/>
+              </a:ext>
+            </a:extLst>
+          </p:cNvPr>
+          <p:cNvPicPr>
+            <a:picLocks noGrp="1" noChangeAspect="1" noChangeArrowheads="1"/>
+          </p:cNvPicPr>
+          <p:nvPr>
+            <p:ph idx="1"/>
+          </p:nvPr>
+        </p:nvPicPr>
+        <p:blipFill>
+          <a:blip r:embed="rId2">
+            <a:extLst>
+              <a:ext uri="{28A0092B-C50C-407E-A947-70E740481C1C}">
+                <a14:useLocalDpi xmlns:a14="http://schemas.microsoft.com/office/drawing/2010/main" val="0"/>
+              </a:ext>
+            </a:extLst>
+          </a:blip>
+          <a:srcRect/>
+          <a:stretch>
+            <a:fillRect/>
+          </a:stretch>
+        </p:blipFill>
+        <p:spPr bwMode="auto">
+          <a:xfrm>
+            <a:off x="6557432" y="1371732"/>
+            <a:ext cx="4114536" cy="4114536"/>
+          </a:xfrm>
+          <a:prstGeom prst="roundRect">
+            <a:avLst>
+              <a:gd name="adj" fmla="val 4167"/>
+            </a:avLst>
+          </a:prstGeom>
+          <a:solidFill>
+            <a:srgbClr val="FFFFFF"/>
+          </a:solidFill>
+          <a:ln w="76200" cap="sq">
+            <a:solidFill>
+              <a:srgbClr val="292929"/>
+            </a:solidFill>
+            <a:miter lim="800000"/>
+          </a:ln>
+          <a:effectLst>
+            <a:reflection blurRad="12700" stA="28000" endPos="28000" dist="5000" dir="5400000" sy="-100000" algn="bl" rotWithShape="0"/>
+          </a:effectLst>
+          <a:scene3d>
+            <a:camera prst="orthographicFront"/>
+            <a:lightRig rig="threePt" dir="t">
+              <a:rot lat="0" lon="0" rev="2700000"/>
+            </a:lightRig>
+          </a:scene3d>
+          <a:sp3d>
+            <a:bevelT h="38100"/>
+            <a:contourClr>
+              <a:srgbClr val="C0C0C0"/>
+            </a:contourClr>
+          </a:sp3d>
+          <a:extLst>
+            <a:ext uri="{909E8E84-426E-40DD-AFC4-6F175D3DCCD1}">
+              <a14:hiddenFill xmlns:a14="http://schemas.microsoft.com/office/drawing/2010/main">
+                <a:solidFill>
+                  <a:srgbClr val="FFFFFF"/>
+                </a:solidFill>
+              </a14:hiddenFill>
+            </a:ext>
+          </a:extLst>
+        </p:spPr>
+      </p:pic>
+    </p:spTree>
+    <p:extLst>
+      <p:ext uri="{BB962C8B-B14F-4D97-AF65-F5344CB8AC3E}">
+        <p14:creationId xmlns:p14="http://schemas.microsoft.com/office/powerpoint/2010/main" val="3041469685"/>
+      </p:ext>
+    </p:extLst>
+  </p:cSld>
+  <p:clrMapOvr>
+    <a:masterClrMapping/>
+  </p:clrMapOvr>
+  <mc:AlternateContent xmlns:mc="http://schemas.openxmlformats.org/markup-compatibility/2006">
+    <mc:Choice xmlns:p14="http://schemas.microsoft.com/office/powerpoint/2010/main" Requires="p14">
+      <p:transition spd="slow" p14:dur="3400">
+        <p14:reveal/>
+      </p:transition>
+    </mc:Choice>
+    <mc:Fallback>
+      <p:transition spd="slow">
+        <p:fade/>
+      </p:transition>
+    </mc:Fallback>
+  </mc:AlternateContent>
+</p:sld>
+</file>
+
+<file path=ppt/slides/slide5.xml><?xml version="1.0" encoding="utf-8"?>
+<p:sld xmlns:a="http://schemas.openxmlformats.org/drawingml/2006/main" xmlns:r="http://schemas.openxmlformats.org/officeDocument/2006/relationships" xmlns:p="http://schemas.openxmlformats.org/presentationml/2006/main">
+  <p:cSld>
+    <p:spTree>
+      <p:nvGrpSpPr>
+        <p:cNvPr id="1" name=""/>
+        <p:cNvGrpSpPr/>
+        <p:nvPr/>
+      </p:nvGrpSpPr>
+      <p:grpSpPr>
+        <a:xfrm>
+          <a:off x="0" y="0"/>
+          <a:ext cx="0" cy="0"/>
+          <a:chOff x="0" y="0"/>
+          <a:chExt cx="0" cy="0"/>
+        </a:xfrm>
+      </p:grpSpPr>
+      <p:sp>
+        <p:nvSpPr>
+          <p:cNvPr id="6" name="Text Placeholder 5">
+            <a:extLst>
+              <a:ext uri="{FF2B5EF4-FFF2-40B4-BE49-F238E27FC236}">
+                <a16:creationId xmlns:a16="http://schemas.microsoft.com/office/drawing/2014/main" id="{4016C7C2-4FC2-B049-986F-A5ED69AC8DAE}"/>
+              </a:ext>
+            </a:extLst>
+          </p:cNvPr>
+          <p:cNvSpPr>
+            <a:spLocks noGrp="1"/>
+          </p:cNvSpPr>
+          <p:nvPr>
+            <p:ph type="body" sz="half" idx="2"/>
+          </p:nvPr>
+        </p:nvSpPr>
+        <p:spPr>
+          <a:xfrm>
+            <a:off x="1146705" y="2249486"/>
+            <a:ext cx="4487864" cy="3541714"/>
+          </a:xfrm>
+        </p:spPr>
+        <p:txBody>
+          <a:bodyPr>
+            <a:normAutofit/>
+          </a:bodyPr>
+          <a:lstStyle/>
+          <a:p>
+            <a:pPr algn="r"/>
+            <a:r>
+              <a:rPr lang="en-US" sz="2000" dirty="0"/>
+              <a:t>There are different kinds of smartwatches that vary in shape, size, style, and operating system. Some work with smartphones and some work by themselves.</a:t>
+            </a:r>
+          </a:p>
+        </p:txBody>
+      </p:sp>
+      <p:pic>
+        <p:nvPicPr>
+          <p:cNvPr id="2050" name="Picture 2" descr="Új Galaxy Watch 4, Alumínium, 40 mm, Bluetooth, fekete | Samsung HU">
+            <a:extLst>
+              <a:ext uri="{FF2B5EF4-FFF2-40B4-BE49-F238E27FC236}">
+                <a16:creationId xmlns:a16="http://schemas.microsoft.com/office/drawing/2014/main" id="{BD91F5CB-AE49-0229-1BE9-6EAD91D57A0B}"/>
+              </a:ext>
+            </a:extLst>
+          </p:cNvPr>
+          <p:cNvPicPr>
+            <a:picLocks noChangeAspect="1" noChangeArrowheads="1"/>
+          </p:cNvPicPr>
+          <p:nvPr/>
+        </p:nvPicPr>
+        <p:blipFill>
+          <a:blip r:embed="rId2">
+            <a:extLst>
+              <a:ext uri="{28A0092B-C50C-407E-A947-70E740481C1C}">
+                <a14:useLocalDpi xmlns:a14="http://schemas.microsoft.com/office/drawing/2010/main" val="0"/>
+              </a:ext>
+            </a:extLst>
+          </a:blip>
+          <a:srcRect/>
+          <a:stretch>
+            <a:fillRect/>
+          </a:stretch>
+        </p:blipFill>
+        <p:spPr bwMode="auto">
+          <a:xfrm rot="761524">
+            <a:off x="5605602" y="116978"/>
+            <a:ext cx="4721225" cy="3769717"/>
+          </a:xfrm>
+          <a:prstGeom prst="rect">
+            <a:avLst/>
+          </a:prstGeom>
+          <a:noFill/>
+          <a:extLst>
+            <a:ext uri="{909E8E84-426E-40DD-AFC4-6F175D3DCCD1}">
+              <a14:hiddenFill xmlns:a14="http://schemas.microsoft.com/office/drawing/2010/main">
+                <a:solidFill>
+                  <a:srgbClr val="FFFFFF"/>
+                </a:solidFill>
+              </a14:hiddenFill>
+            </a:ext>
+          </a:extLst>
+        </p:spPr>
+      </p:pic>
+      <p:pic>
+        <p:nvPicPr>
+          <p:cNvPr id="2052" name="Picture 4" descr="Download Apple Watch PNG Image for Free">
+            <a:extLst>
+              <a:ext uri="{FF2B5EF4-FFF2-40B4-BE49-F238E27FC236}">
+                <a16:creationId xmlns:a16="http://schemas.microsoft.com/office/drawing/2014/main" id="{E865C096-29A3-EFD2-0955-BBA4C03D64EA}"/>
+              </a:ext>
+            </a:extLst>
+          </p:cNvPr>
+          <p:cNvPicPr>
+            <a:picLocks noChangeAspect="1" noChangeArrowheads="1"/>
+          </p:cNvPicPr>
+          <p:nvPr/>
+        </p:nvPicPr>
+        <p:blipFill>
+          <a:blip r:embed="rId3">
+            <a:extLst>
+              <a:ext uri="{28A0092B-C50C-407E-A947-70E740481C1C}">
+                <a14:useLocalDpi xmlns:a14="http://schemas.microsoft.com/office/drawing/2010/main" val="0"/>
+              </a:ext>
+            </a:extLst>
+          </a:blip>
+          <a:srcRect/>
+          <a:stretch>
+            <a:fillRect/>
+          </a:stretch>
+        </p:blipFill>
+        <p:spPr bwMode="auto">
+          <a:xfrm rot="20704379">
+            <a:off x="5648587" y="2378030"/>
+            <a:ext cx="4487865" cy="4833601"/>
+          </a:xfrm>
+          <a:prstGeom prst="rect">
+            <a:avLst/>
+          </a:prstGeom>
+          <a:noFill/>
+          <a:extLst>
+            <a:ext uri="{909E8E84-426E-40DD-AFC4-6F175D3DCCD1}">
+              <a14:hiddenFill xmlns:a14="http://schemas.microsoft.com/office/drawing/2010/main">
+                <a:solidFill>
+                  <a:srgbClr val="FFFFFF"/>
+                </a:solidFill>
+              </a14:hiddenFill>
+            </a:ext>
+          </a:extLst>
+        </p:spPr>
+      </p:pic>
+      <p:pic>
+        <p:nvPicPr>
+          <p:cNvPr id="2054" name="Picture 6" descr="HUAWEI WATCH 3 Széria Specifikációk - HUAWEI Magyarország">
+            <a:extLst>
+              <a:ext uri="{FF2B5EF4-FFF2-40B4-BE49-F238E27FC236}">
+                <a16:creationId xmlns:a16="http://schemas.microsoft.com/office/drawing/2014/main" id="{4692EB8D-2FDC-A2EA-AC07-105028964C67}"/>
+              </a:ext>
+            </a:extLst>
+          </p:cNvPr>
+          <p:cNvPicPr>
+            <a:picLocks noChangeAspect="1" noChangeArrowheads="1"/>
+          </p:cNvPicPr>
+          <p:nvPr/>
+        </p:nvPicPr>
+        <p:blipFill>
+          <a:blip r:embed="rId4">
+            <a:extLst>
+              <a:ext uri="{28A0092B-C50C-407E-A947-70E740481C1C}">
+                <a14:useLocalDpi xmlns:a14="http://schemas.microsoft.com/office/drawing/2010/main" val="0"/>
+              </a:ext>
+            </a:extLst>
+          </a:blip>
+          <a:srcRect/>
+          <a:stretch>
+            <a:fillRect/>
+          </a:stretch>
+        </p:blipFill>
+        <p:spPr bwMode="auto">
+          <a:xfrm>
+            <a:off x="6925733" y="1881574"/>
+            <a:ext cx="6422310" cy="3541715"/>
+          </a:xfrm>
+          <a:prstGeom prst="rect">
+            <a:avLst/>
+          </a:prstGeom>
+          <a:noFill/>
+          <a:extLst>
+            <a:ext uri="{909E8E84-426E-40DD-AFC4-6F175D3DCCD1}">
+              <a14:hiddenFill xmlns:a14="http://schemas.microsoft.com/office/drawing/2010/main">
+                <a:solidFill>
+                  <a:srgbClr val="FFFFFF"/>
+                </a:solidFill>
+              </a14:hiddenFill>
+            </a:ext>
+          </a:extLst>
+        </p:spPr>
+      </p:pic>
+    </p:spTree>
+    <p:extLst>
+      <p:ext uri="{BB962C8B-B14F-4D97-AF65-F5344CB8AC3E}">
+        <p14:creationId xmlns:p14="http://schemas.microsoft.com/office/powerpoint/2010/main" val="2272005733"/>
+      </p:ext>
+    </p:extLst>
+  </p:cSld>
+  <p:clrMapOvr>
+    <a:masterClrMapping/>
+  </p:clrMapOvr>
+  <mc:AlternateContent xmlns:mc="http://schemas.openxmlformats.org/markup-compatibility/2006">
+    <mc:Choice xmlns:p14="http://schemas.microsoft.com/office/powerpoint/2010/main" Requires="p14">
+      <p:transition spd="slow" p14:dur="3400">
+        <p14:reveal/>
+      </p:transition>
+    </mc:Choice>
+    <mc:Fallback>
+      <p:transition spd="slow">
+        <p:fade/>
+      </p:transition>
+    </mc:Fallback>
+  </mc:AlternateContent>
+</p:sld>
+</file>
+
+<file path=ppt/slides/slide6.xml><?xml version="1.0" encoding="utf-8"?>
+<p:sld xmlns:a="http://schemas.openxmlformats.org/drawingml/2006/main" xmlns:r="http://schemas.openxmlformats.org/officeDocument/2006/relationships" xmlns:p="http://schemas.openxmlformats.org/presentationml/2006/main">
+  <p:cSld>
+    <p:spTree>
+      <p:nvGrpSpPr>
+        <p:cNvPr id="1" name=""/>
+        <p:cNvGrpSpPr/>
+        <p:nvPr/>
+      </p:nvGrpSpPr>
+      <p:grpSpPr>
+        <a:xfrm>
+          <a:off x="0" y="0"/>
+          <a:ext cx="0" cy="0"/>
+          <a:chOff x="0" y="0"/>
+          <a:chExt cx="0" cy="0"/>
+        </a:xfrm>
+      </p:grpSpPr>
+      <p:sp>
+        <p:nvSpPr>
+          <p:cNvPr id="6" name="Text Placeholder 5">
+            <a:extLst>
+              <a:ext uri="{FF2B5EF4-FFF2-40B4-BE49-F238E27FC236}">
+                <a16:creationId xmlns:a16="http://schemas.microsoft.com/office/drawing/2014/main" id="{4016C7C2-4FC2-B049-986F-A5ED69AC8DAE}"/>
+              </a:ext>
+            </a:extLst>
+          </p:cNvPr>
+          <p:cNvSpPr>
+            <a:spLocks noGrp="1"/>
+          </p:cNvSpPr>
+          <p:nvPr>
+            <p:ph type="body" sz="half" idx="2"/>
+          </p:nvPr>
+        </p:nvSpPr>
+        <p:spPr>
+          <a:xfrm>
+            <a:off x="1146705" y="2249486"/>
+            <a:ext cx="4487864" cy="3541714"/>
+          </a:xfrm>
+        </p:spPr>
+        <p:txBody>
+          <a:bodyPr>
+            <a:normAutofit/>
+          </a:bodyPr>
+          <a:lstStyle/>
+          <a:p>
+            <a:pPr algn="r"/>
+            <a:r>
+              <a:rPr lang="en-US" sz="2000" dirty="0"/>
+              <a:t>Smartwatches have become more common and better in recent years. They have features like touchscreens, voice assistants, GPS, cellular connectivity, and wireless charging.</a:t>
+            </a:r>
+          </a:p>
+        </p:txBody>
+      </p:sp>
+      <p:pic>
+        <p:nvPicPr>
+          <p:cNvPr id="3074" name="Picture 2" descr="12 Best Hiking Watches – Greenbelly Meals">
+            <a:extLst>
+              <a:ext uri="{FF2B5EF4-FFF2-40B4-BE49-F238E27FC236}">
+                <a16:creationId xmlns:a16="http://schemas.microsoft.com/office/drawing/2014/main" id="{8C0D57E4-A09D-616A-8EDF-A5930745BF4C}"/>
+              </a:ext>
+            </a:extLst>
+          </p:cNvPr>
+          <p:cNvPicPr>
+            <a:picLocks noChangeAspect="1" noChangeArrowheads="1"/>
+          </p:cNvPicPr>
+          <p:nvPr/>
+        </p:nvPicPr>
+        <p:blipFill>
+          <a:blip r:embed="rId2">
+            <a:extLst>
+              <a:ext uri="{28A0092B-C50C-407E-A947-70E740481C1C}">
+                <a14:useLocalDpi xmlns:a14="http://schemas.microsoft.com/office/drawing/2010/main" val="0"/>
+              </a:ext>
+            </a:extLst>
+          </a:blip>
+          <a:srcRect/>
+          <a:stretch>
+            <a:fillRect/>
+          </a:stretch>
+        </p:blipFill>
+        <p:spPr bwMode="auto">
+          <a:xfrm>
+            <a:off x="6675348" y="2042054"/>
+            <a:ext cx="4369947" cy="2773892"/>
+          </a:xfrm>
+          <a:prstGeom prst="roundRect">
+            <a:avLst>
+              <a:gd name="adj" fmla="val 8594"/>
+            </a:avLst>
+          </a:prstGeom>
+          <a:solidFill>
+            <a:srgbClr val="FFFFFF">
+              <a:shade val="85000"/>
+            </a:srgbClr>
+          </a:solidFill>
+          <a:ln>
+            <a:noFill/>
+          </a:ln>
+          <a:effectLst>
+            <a:reflection blurRad="12700" stA="38000" endPos="28000" dist="5000" dir="5400000" sy="-100000" algn="bl" rotWithShape="0"/>
+          </a:effectLst>
+          <a:extLst>
+            <a:ext uri="{909E8E84-426E-40DD-AFC4-6F175D3DCCD1}">
+              <a14:hiddenFill xmlns:a14="http://schemas.microsoft.com/office/drawing/2010/main">
+                <a:solidFill>
+                  <a:srgbClr val="FFFFFF"/>
+                </a:solidFill>
+              </a14:hiddenFill>
+            </a:ext>
+          </a:extLst>
+        </p:spPr>
+      </p:pic>
+    </p:spTree>
+    <p:extLst>
+      <p:ext uri="{BB962C8B-B14F-4D97-AF65-F5344CB8AC3E}">
+        <p14:creationId xmlns:p14="http://schemas.microsoft.com/office/powerpoint/2010/main" val="815842888"/>
+      </p:ext>
+    </p:extLst>
+  </p:cSld>
+  <p:clrMapOvr>
+    <a:masterClrMapping/>
+  </p:clrMapOvr>
+  <mc:AlternateContent xmlns:mc="http://schemas.openxmlformats.org/markup-compatibility/2006">
+    <mc:Choice xmlns:p14="http://schemas.microsoft.com/office/powerpoint/2010/main" Requires="p14">
+      <p:transition spd="slow" p14:dur="3400">
+        <p14:reveal/>
+      </p:transition>
+    </mc:Choice>
+    <mc:Fallback>
+      <p:transition spd="slow">
+        <p:fade/>
+      </p:transition>
+    </mc:Fallback>
+  </mc:AlternateContent>
+</p:sld>
+</file>
+
+<file path=ppt/slides/slide7.xml><?xml version="1.0" encoding="utf-8"?>
+<p:sld xmlns:a="http://schemas.openxmlformats.org/drawingml/2006/main" xmlns:r="http://schemas.openxmlformats.org/officeDocument/2006/relationships" xmlns:p="http://schemas.openxmlformats.org/presentationml/2006/main">
+  <p:cSld>
+    <p:spTree>
+      <p:nvGrpSpPr>
+        <p:cNvPr id="1" name=""/>
+        <p:cNvGrpSpPr/>
+        <p:nvPr/>
+      </p:nvGrpSpPr>
+      <p:grpSpPr>
+        <a:xfrm>
+          <a:off x="0" y="0"/>
+          <a:ext cx="0" cy="0"/>
+          <a:chOff x="0" y="0"/>
+          <a:chExt cx="0" cy="0"/>
+        </a:xfrm>
+      </p:grpSpPr>
+      <p:sp>
+        <p:nvSpPr>
+          <p:cNvPr id="5" name="Title 4">
+            <a:extLst>
+              <a:ext uri="{FF2B5EF4-FFF2-40B4-BE49-F238E27FC236}">
+                <a16:creationId xmlns:a16="http://schemas.microsoft.com/office/drawing/2014/main" id="{59607424-B25B-C454-D25D-C0B82441AB4D}"/>
+              </a:ext>
+            </a:extLst>
+          </p:cNvPr>
+          <p:cNvSpPr>
+            <a:spLocks noGrp="1"/>
+          </p:cNvSpPr>
+          <p:nvPr>
+            <p:ph type="title"/>
+          </p:nvPr>
+        </p:nvSpPr>
+        <p:spPr/>
+        <p:txBody>
+          <a:bodyPr/>
+          <a:lstStyle/>
+          <a:p>
+            <a:r>
+              <a:rPr lang="en-US" dirty="0"/>
+              <a:t>What should you choose?</a:t>
+            </a:r>
+          </a:p>
+        </p:txBody>
+      </p:sp>
+      <p:sp>
+        <p:nvSpPr>
+          <p:cNvPr id="6" name="Text Placeholder 5">
+            <a:extLst>
+              <a:ext uri="{FF2B5EF4-FFF2-40B4-BE49-F238E27FC236}">
+                <a16:creationId xmlns:a16="http://schemas.microsoft.com/office/drawing/2014/main" id="{57838A1C-D592-A834-3151-2D0455C69E64}"/>
+              </a:ext>
+            </a:extLst>
+          </p:cNvPr>
+          <p:cNvSpPr>
+            <a:spLocks noGrp="1"/>
+          </p:cNvSpPr>
+          <p:nvPr>
+            <p:ph type="body" idx="1"/>
+          </p:nvPr>
+        </p:nvSpPr>
+        <p:spPr/>
+        <p:txBody>
+          <a:bodyPr/>
+          <a:lstStyle/>
+          <a:p>
+            <a:r>
+              <a:rPr lang="en-US" dirty="0"/>
+              <a:t>I will compare 3 watches and tell you what you need to look out for.</a:t>
+            </a:r>
+          </a:p>
+        </p:txBody>
+      </p:sp>
+      <p:pic>
+        <p:nvPicPr>
+          <p:cNvPr id="4098" name="Picture 2" descr="A costumer looking at Apple Watches confused at an apple store. Image 4 of 4">
+            <a:extLst>
+              <a:ext uri="{FF2B5EF4-FFF2-40B4-BE49-F238E27FC236}">
+                <a16:creationId xmlns:a16="http://schemas.microsoft.com/office/drawing/2014/main" id="{FCE9C8B7-658D-EF3D-DB4F-89AF06E67512}"/>
+              </a:ext>
+            </a:extLst>
+          </p:cNvPr>
+          <p:cNvPicPr>
+            <a:picLocks noChangeAspect="1" noChangeArrowheads="1"/>
+          </p:cNvPicPr>
+          <p:nvPr/>
+        </p:nvPicPr>
+        <p:blipFill>
+          <a:blip r:embed="rId2">
+            <a:extLst>
+              <a:ext uri="{28A0092B-C50C-407E-A947-70E740481C1C}">
+                <a14:useLocalDpi xmlns:a14="http://schemas.microsoft.com/office/drawing/2010/main" val="0"/>
+              </a:ext>
+            </a:extLst>
+          </a:blip>
+          <a:srcRect/>
+          <a:stretch>
+            <a:fillRect/>
+          </a:stretch>
+        </p:blipFill>
+        <p:spPr bwMode="auto">
+          <a:xfrm>
+            <a:off x="8374592" y="474133"/>
+            <a:ext cx="3074458" cy="3074458"/>
+          </a:xfrm>
+          <a:prstGeom prst="rect">
+            <a:avLst/>
+          </a:prstGeom>
+          <a:solidFill>
+            <a:srgbClr val="FFFFFF">
+              <a:shade val="85000"/>
+            </a:srgbClr>
+          </a:solidFill>
+          <a:ln w="190500" cap="sq">
+            <a:solidFill>
+              <a:srgbClr val="FFFFFF"/>
+            </a:solidFill>
+            <a:miter lim="800000"/>
+          </a:ln>
+          <a:effectLst>
+            <a:outerShdw blurRad="65000" dist="50800" dir="12900000" kx="195000" ky="145000" algn="tl" rotWithShape="0">
+              <a:srgbClr val="000000">
+                <a:alpha val="30000"/>
+              </a:srgbClr>
+            </a:outerShdw>
+          </a:effectLst>
+          <a:scene3d>
+            <a:camera prst="orthographicFront">
+              <a:rot lat="0" lon="0" rev="360000"/>
+            </a:camera>
+            <a:lightRig rig="twoPt" dir="t">
+              <a:rot lat="0" lon="0" rev="7200000"/>
+            </a:lightRig>
+          </a:scene3d>
+          <a:sp3d contourW="12700">
+            <a:bevelT w="25400" h="19050"/>
+            <a:contourClr>
+              <a:srgbClr val="969696"/>
+            </a:contourClr>
+          </a:sp3d>
+          <a:extLst>
+            <a:ext uri="{909E8E84-426E-40DD-AFC4-6F175D3DCCD1}">
+              <a14:hiddenFill xmlns:a14="http://schemas.microsoft.com/office/drawing/2010/main">
+                <a:solidFill>
+                  <a:srgbClr val="FFFFFF"/>
+                </a:solidFill>
+              </a14:hiddenFill>
+            </a:ext>
+          </a:extLst>
+        </p:spPr>
+      </p:pic>
+    </p:spTree>
+    <p:extLst>
+      <p:ext uri="{BB962C8B-B14F-4D97-AF65-F5344CB8AC3E}">
+        <p14:creationId xmlns:p14="http://schemas.microsoft.com/office/powerpoint/2010/main" val="2918708109"/>
+      </p:ext>
+    </p:extLst>
+  </p:cSld>
+  <p:clrMapOvr>
+    <a:masterClrMapping/>
+  </p:clrMapOvr>
+  <mc:AlternateContent xmlns:mc="http://schemas.openxmlformats.org/markup-compatibility/2006">
+    <mc:Choice xmlns:p14="http://schemas.microsoft.com/office/powerpoint/2010/main" Requires="p14">
+      <p:transition spd="slow" p14:dur="3400">
+        <p14:reveal/>
+      </p:transition>
+    </mc:Choice>
+    <mc:Fallback>
+      <p:transition spd="slow">
+        <p:fade/>
+      </p:transition>
+    </mc:Fallback>
+  </mc:AlternateContent>
+</p:sld>
+</file>
+
+<file path=ppt/slides/slide8.xml><?xml version="1.0" encoding="utf-8"?>
+<p:sld xmlns:a="http://schemas.openxmlformats.org/drawingml/2006/main" xmlns:r="http://schemas.openxmlformats.org/officeDocument/2006/relationships" xmlns:p="http://schemas.openxmlformats.org/presentationml/2006/main">
+  <p:cSld>
+    <p:spTree>
+      <p:nvGrpSpPr>
+        <p:cNvPr id="1" name=""/>
+        <p:cNvGrpSpPr/>
+        <p:nvPr/>
+      </p:nvGrpSpPr>
+      <p:grpSpPr>
+        <a:xfrm>
+          <a:off x="0" y="0"/>
+          <a:ext cx="0" cy="0"/>
+          <a:chOff x="0" y="0"/>
+          <a:chExt cx="0" cy="0"/>
+        </a:xfrm>
+      </p:grpSpPr>
+      <p:sp>
+        <p:nvSpPr>
+          <p:cNvPr id="4" name="Title 3">
+            <a:extLst>
+              <a:ext uri="{FF2B5EF4-FFF2-40B4-BE49-F238E27FC236}">
+                <a16:creationId xmlns:a16="http://schemas.microsoft.com/office/drawing/2014/main" id="{9D3FEC43-6D86-860A-ED16-8CAFD7C8C9E1}"/>
+              </a:ext>
+            </a:extLst>
+          </p:cNvPr>
+          <p:cNvSpPr>
+            <a:spLocks noGrp="1"/>
+          </p:cNvSpPr>
+          <p:nvPr>
+            <p:ph type="title"/>
+          </p:nvPr>
+        </p:nvSpPr>
+        <p:spPr>
+          <a:xfrm>
+            <a:off x="1146705" y="609601"/>
+            <a:ext cx="4077228" cy="1639884"/>
+          </a:xfrm>
+        </p:spPr>
+        <p:txBody>
+          <a:bodyPr/>
+          <a:lstStyle/>
+          <a:p>
+            <a:r>
+              <a:rPr lang="en-US" dirty="0"/>
+              <a:t>Apple watch series 7</a:t>
+            </a:r>
+          </a:p>
+        </p:txBody>
+      </p:sp>
+      <p:sp>
+        <p:nvSpPr>
+          <p:cNvPr id="6" name="Text Placeholder 5">
+            <a:extLst>
+              <a:ext uri="{FF2B5EF4-FFF2-40B4-BE49-F238E27FC236}">
+                <a16:creationId xmlns:a16="http://schemas.microsoft.com/office/drawing/2014/main" id="{FE632A3F-8AF5-03D4-A485-94022D657DB1}"/>
+              </a:ext>
+            </a:extLst>
+          </p:cNvPr>
+          <p:cNvSpPr>
+            <a:spLocks noGrp="1"/>
+          </p:cNvSpPr>
+          <p:nvPr>
+            <p:ph type="body" sz="half" idx="2"/>
+          </p:nvPr>
+        </p:nvSpPr>
+        <p:spPr>
+          <a:xfrm>
+            <a:off x="1146705" y="2249486"/>
+            <a:ext cx="4356628" cy="3541714"/>
+          </a:xfrm>
+        </p:spPr>
+        <p:txBody>
+          <a:bodyPr/>
+          <a:lstStyle/>
+          <a:p>
+            <a:pPr marL="285750" indent="-285750">
+              <a:buFont typeface="Arial" panose="020B0604020202020204" pitchFamily="34" charset="0"/>
+              <a:buChar char="•"/>
+            </a:pPr>
+            <a:r>
+              <a:rPr lang="en-US" dirty="0"/>
+              <a:t>Has a larger and more durable display than previous models</a:t>
+            </a:r>
+          </a:p>
+          <a:p>
+            <a:pPr marL="285750" indent="-285750">
+              <a:buFont typeface="Arial" panose="020B0604020202020204" pitchFamily="34" charset="0"/>
+              <a:buChar char="•"/>
+            </a:pPr>
+            <a:r>
+              <a:rPr lang="en-US" dirty="0"/>
+              <a:t>Supports fast charging and longer battery life</a:t>
+            </a:r>
+          </a:p>
+          <a:p>
+            <a:pPr marL="285750" indent="-285750">
+              <a:buFont typeface="Arial" panose="020B0604020202020204" pitchFamily="34" charset="0"/>
+              <a:buChar char="•"/>
+            </a:pPr>
+            <a:r>
+              <a:rPr lang="en-US" dirty="0"/>
+              <a:t>Features blood oxygen, ECG, and heart rate sensors</a:t>
+            </a:r>
+          </a:p>
+          <a:p>
+            <a:pPr marL="285750" indent="-285750">
+              <a:buFont typeface="Arial" panose="020B0604020202020204" pitchFamily="34" charset="0"/>
+              <a:buChar char="•"/>
+            </a:pPr>
+            <a:r>
+              <a:rPr lang="en-US" dirty="0"/>
+              <a:t>Compatible with iOS devices and various fitness apps</a:t>
+            </a:r>
+          </a:p>
+          <a:p>
+            <a:pPr marL="285750" indent="-285750">
+              <a:buFont typeface="Arial" panose="020B0604020202020204" pitchFamily="34" charset="0"/>
+              <a:buChar char="•"/>
+            </a:pPr>
+            <a:r>
+              <a:rPr lang="en-US" dirty="0"/>
+              <a:t>Comes in different sizes, colors, and bands</a:t>
+            </a:r>
+          </a:p>
+        </p:txBody>
+      </p:sp>
+      <p:pic>
+        <p:nvPicPr>
+          <p:cNvPr id="5124" name="Picture 4" descr="Apple Watch Series 7 - Technikai Adatok (HU)">
+            <a:extLst>
+              <a:ext uri="{FF2B5EF4-FFF2-40B4-BE49-F238E27FC236}">
+                <a16:creationId xmlns:a16="http://schemas.microsoft.com/office/drawing/2014/main" id="{D6FE7C98-482B-569F-97AF-FE3B2D3741C5}"/>
+              </a:ext>
+            </a:extLst>
+          </p:cNvPr>
+          <p:cNvPicPr>
+            <a:picLocks noGrp="1" noChangeAspect="1" noChangeArrowheads="1"/>
+          </p:cNvPicPr>
+          <p:nvPr>
+            <p:ph idx="1"/>
+          </p:nvPr>
+        </p:nvPicPr>
+        <p:blipFill>
+          <a:blip r:embed="rId2">
+            <a:extLst>
+              <a:ext uri="{28A0092B-C50C-407E-A947-70E740481C1C}">
+                <a14:useLocalDpi xmlns:a14="http://schemas.microsoft.com/office/drawing/2010/main" val="0"/>
+              </a:ext>
+            </a:extLst>
+          </a:blip>
+          <a:srcRect/>
+          <a:stretch>
+            <a:fillRect/>
+          </a:stretch>
+        </p:blipFill>
+        <p:spPr bwMode="auto">
+          <a:xfrm>
+            <a:off x="6473295" y="1143000"/>
+            <a:ext cx="4572000" cy="4572000"/>
+          </a:xfrm>
+          <a:prstGeom prst="rect">
+            <a:avLst/>
+          </a:prstGeom>
+          <a:noFill/>
+          <a:extLst>
+            <a:ext uri="{909E8E84-426E-40DD-AFC4-6F175D3DCCD1}">
+              <a14:hiddenFill xmlns:a14="http://schemas.microsoft.com/office/drawing/2010/main">
+                <a:solidFill>
+                  <a:srgbClr val="FFFFFF"/>
+                </a:solidFill>
+              </a14:hiddenFill>
+            </a:ext>
+          </a:extLst>
+        </p:spPr>
+      </p:pic>
+    </p:spTree>
+    <p:extLst>
+      <p:ext uri="{BB962C8B-B14F-4D97-AF65-F5344CB8AC3E}">
+        <p14:creationId xmlns:p14="http://schemas.microsoft.com/office/powerpoint/2010/main" val="1190582266"/>
+      </p:ext>
+    </p:extLst>
+  </p:cSld>
+  <p:clrMapOvr>
+    <a:masterClrMapping/>
+  </p:clrMapOvr>
+  <mc:AlternateContent xmlns:mc="http://schemas.openxmlformats.org/markup-compatibility/2006">
+    <mc:Choice xmlns:p14="http://schemas.microsoft.com/office/powerpoint/2010/main" Requires="p14">
+      <p:transition spd="slow" p14:dur="3400">
+        <p14:reveal/>
+      </p:transition>
+    </mc:Choice>
+    <mc:Fallback>
+      <p:transition spd="slow">
+        <p:fade/>
+      </p:transition>
+    </mc:Fallback>
+  </mc:AlternateContent>
+</p:sld>
+</file>
+
+<file path=ppt/slides/slide9.xml><?xml version="1.0" encoding="utf-8"?>
+<p:sld xmlns:a="http://schemas.openxmlformats.org/drawingml/2006/main" xmlns:r="http://schemas.openxmlformats.org/officeDocument/2006/relationships" xmlns:p="http://schemas.openxmlformats.org/presentationml/2006/main">
+  <p:cSld>
+    <p:spTree>
+      <p:nvGrpSpPr>
+        <p:cNvPr id="1" name=""/>
+        <p:cNvGrpSpPr/>
+        <p:nvPr/>
+      </p:nvGrpSpPr>
+      <p:grpSpPr>
+        <a:xfrm>
+          <a:off x="0" y="0"/>
+          <a:ext cx="0" cy="0"/>
+          <a:chOff x="0" y="0"/>
+          <a:chExt cx="0" cy="0"/>
+        </a:xfrm>
+      </p:grpSpPr>
+      <p:sp>
+        <p:nvSpPr>
+          <p:cNvPr id="4" name="Title 3">
+            <a:extLst>
+              <a:ext uri="{FF2B5EF4-FFF2-40B4-BE49-F238E27FC236}">
+                <a16:creationId xmlns:a16="http://schemas.microsoft.com/office/drawing/2014/main" id="{9D3FEC43-6D86-860A-ED16-8CAFD7C8C9E1}"/>
+              </a:ext>
+            </a:extLst>
+          </p:cNvPr>
+          <p:cNvSpPr>
+            <a:spLocks noGrp="1"/>
+          </p:cNvSpPr>
+          <p:nvPr>
+            <p:ph type="title"/>
+          </p:nvPr>
+        </p:nvSpPr>
+        <p:spPr>
+          <a:xfrm>
+            <a:off x="1146704" y="609601"/>
+            <a:ext cx="5406495" cy="1639884"/>
+          </a:xfrm>
+        </p:spPr>
+        <p:txBody>
+          <a:bodyPr/>
+          <a:lstStyle/>
+          <a:p>
+            <a:r>
+              <a:rPr lang="en-US" dirty="0"/>
+              <a:t>Samsung Galaxy Watch 4</a:t>
+            </a:r>
+          </a:p>
+        </p:txBody>
+      </p:sp>
+      <p:sp>
+        <p:nvSpPr>
+          <p:cNvPr id="6" name="Text Placeholder 5">
+            <a:extLst>
+              <a:ext uri="{FF2B5EF4-FFF2-40B4-BE49-F238E27FC236}">
+                <a16:creationId xmlns:a16="http://schemas.microsoft.com/office/drawing/2014/main" id="{FE632A3F-8AF5-03D4-A485-94022D657DB1}"/>
+              </a:ext>
+            </a:extLst>
+          </p:cNvPr>
+          <p:cNvSpPr>
+            <a:spLocks noGrp="1"/>
+          </p:cNvSpPr>
+          <p:nvPr>
+            <p:ph type="body" sz="half" idx="2"/>
+          </p:nvPr>
+        </p:nvSpPr>
+        <p:spPr>
+          <a:xfrm>
+            <a:off x="1146704" y="2249486"/>
+            <a:ext cx="4949295" cy="3541714"/>
+          </a:xfrm>
+        </p:spPr>
+        <p:txBody>
+          <a:bodyPr/>
+          <a:lstStyle/>
+          <a:p>
+            <a:pPr marL="285750" indent="-285750">
+              <a:buFont typeface="Arial" panose="020B0604020202020204" pitchFamily="34" charset="0"/>
+              <a:buChar char="•"/>
+            </a:pPr>
+            <a:r>
+              <a:rPr lang="en-US" dirty="0"/>
+              <a:t>Runs on the new Wear OS platform co-developed with Google</a:t>
+            </a:r>
+          </a:p>
+          <a:p>
+            <a:pPr marL="285750" indent="-285750">
+              <a:buFont typeface="Arial" panose="020B0604020202020204" pitchFamily="34" charset="0"/>
+              <a:buChar char="•"/>
+            </a:pPr>
+            <a:r>
+              <a:rPr lang="en-US" dirty="0"/>
+              <a:t>Offers advanced health and wellness tracking features</a:t>
+            </a:r>
+          </a:p>
+          <a:p>
+            <a:pPr marL="285750" indent="-285750">
+              <a:buFont typeface="Arial" panose="020B0604020202020204" pitchFamily="34" charset="0"/>
+              <a:buChar char="•"/>
+            </a:pPr>
+            <a:r>
+              <a:rPr lang="en-US" dirty="0"/>
+              <a:t>Supports wireless charging and offline Spotify playback</a:t>
+            </a:r>
+          </a:p>
+          <a:p>
+            <a:pPr marL="285750" indent="-285750">
+              <a:buFont typeface="Arial" panose="020B0604020202020204" pitchFamily="34" charset="0"/>
+              <a:buChar char="•"/>
+            </a:pPr>
+            <a:r>
+              <a:rPr lang="en-US" dirty="0"/>
+              <a:t>Compatible with Android devices and Google services</a:t>
+            </a:r>
+          </a:p>
+          <a:p>
+            <a:pPr marL="285750" indent="-285750">
+              <a:buFont typeface="Arial" panose="020B0604020202020204" pitchFamily="34" charset="0"/>
+              <a:buChar char="•"/>
+            </a:pPr>
+            <a:r>
+              <a:rPr lang="en-US" dirty="0"/>
+              <a:t>Comes in different styles, sizes, and materials</a:t>
+            </a:r>
+          </a:p>
+        </p:txBody>
+      </p:sp>
+      <p:pic>
+        <p:nvPicPr>
+          <p:cNvPr id="6148" name="Picture 4" descr="Samsung Galaxy Watch4 Bluetooth Specs (Silver) | Samsung Philippines">
+            <a:extLst>
+              <a:ext uri="{FF2B5EF4-FFF2-40B4-BE49-F238E27FC236}">
+                <a16:creationId xmlns:a16="http://schemas.microsoft.com/office/drawing/2014/main" id="{7755AE66-3545-501C-5722-48E818E815DD}"/>
+              </a:ext>
+            </a:extLst>
+          </p:cNvPr>
+          <p:cNvPicPr>
+            <a:picLocks noGrp="1" noChangeAspect="1" noChangeArrowheads="1"/>
+          </p:cNvPicPr>
+          <p:nvPr>
+            <p:ph idx="1"/>
+          </p:nvPr>
+        </p:nvPicPr>
+        <p:blipFill>
+          <a:blip r:embed="rId2">
+            <a:extLst>
+              <a:ext uri="{28A0092B-C50C-407E-A947-70E740481C1C}">
+                <a14:useLocalDpi xmlns:a14="http://schemas.microsoft.com/office/drawing/2010/main" val="0"/>
+              </a:ext>
+            </a:extLst>
+          </a:blip>
+          <a:srcRect/>
+          <a:stretch>
+            <a:fillRect/>
+          </a:stretch>
+        </p:blipFill>
+        <p:spPr bwMode="auto">
+          <a:xfrm>
+            <a:off x="7349596" y="1338262"/>
+            <a:ext cx="3695700" cy="4181475"/>
+          </a:xfrm>
+          <a:prstGeom prst="rect">
+            <a:avLst/>
+          </a:prstGeom>
+          <a:noFill/>
+          <a:extLst>
+            <a:ext uri="{909E8E84-426E-40DD-AFC4-6F175D3DCCD1}">
+              <a14:hiddenFill xmlns:a14="http://schemas.microsoft.com/office/drawing/2010/main">
+                <a:solidFill>
+                  <a:srgbClr val="FFFFFF"/>
+                </a:solidFill>
+              </a14:hiddenFill>
+            </a:ext>
+          </a:extLst>
+        </p:spPr>
+      </p:pic>
+    </p:spTree>
+    <p:extLst>
+      <p:ext uri="{BB962C8B-B14F-4D97-AF65-F5344CB8AC3E}">
+        <p14:creationId xmlns:p14="http://schemas.microsoft.com/office/powerpoint/2010/main" val="1396500609"/>
+      </p:ext>
+    </p:extLst>
+  </p:cSld>
+  <p:clrMapOvr>
+    <a:masterClrMapping/>
+  </p:clrMapOvr>
+  <mc:AlternateContent xmlns:mc="http://schemas.openxmlformats.org/markup-compatibility/2006">
+    <mc:Choice xmlns:p14="http://schemas.microsoft.com/office/powerpoint/2010/main" Requires="p14">
+      <p:transition spd="slow" p14:dur="3400">
+        <p14:reveal/>
+      </p:transition>
+    </mc:Choice>
+    <mc:Fallback>
+      <p:transition spd="slow">
+        <p:fade/>
+      </p:transition>
+    </mc:Fallback>
+  </mc:AlternateContent>
 </p:sld>
 </file>
 
